--- a/sxdb.pptx
+++ b/sxdb.pptx
@@ -5,15 +5,27 @@
     <p:sldMasterId id="2147483648" r:id="rId1"/>
   </p:sldMasterIdLst>
   <p:notesMasterIdLst>
-    <p:notesMasterId r:id="rId5"/>
+    <p:notesMasterId r:id="rId17"/>
   </p:notesMasterIdLst>
   <p:handoutMasterIdLst>
-    <p:handoutMasterId r:id="rId6"/>
+    <p:handoutMasterId r:id="rId18"/>
   </p:handoutMasterIdLst>
   <p:sldIdLst>
     <p:sldId id="256" r:id="rId2"/>
-    <p:sldId id="257" r:id="rId3"/>
-    <p:sldId id="258" r:id="rId4"/>
+    <p:sldId id="267" r:id="rId3"/>
+    <p:sldId id="259" r:id="rId4"/>
+    <p:sldId id="261" r:id="rId5"/>
+    <p:sldId id="260" r:id="rId6"/>
+    <p:sldId id="262" r:id="rId7"/>
+    <p:sldId id="265" r:id="rId8"/>
+    <p:sldId id="264" r:id="rId9"/>
+    <p:sldId id="266" r:id="rId10"/>
+    <p:sldId id="263" r:id="rId11"/>
+    <p:sldId id="257" r:id="rId12"/>
+    <p:sldId id="268" r:id="rId13"/>
+    <p:sldId id="269" r:id="rId14"/>
+    <p:sldId id="270" r:id="rId15"/>
+    <p:sldId id="258" r:id="rId16"/>
   </p:sldIdLst>
   <p:sldSz cx="12192000" cy="6858000"/>
   <p:notesSz cx="6858000" cy="9144000"/>
@@ -844,7 +856,7 @@
           <a:p>
             <a:fld id="{97CEC70F-1E2D-42B3-A269-FC088144038D}" type="datetime9">
               <a:rPr lang="en-US" altLang="zh-CN" smtClean="0"/>
-              <a:t>9/10/2015 9:57:18 PM</a:t>
+              <a:t>9/10/2015 10:03:35 PM</a:t>
             </a:fld>
             <a:endParaRPr lang="en-US" dirty="0"/>
           </a:p>
@@ -1125,7 +1137,7 @@
           <a:p>
             <a:fld id="{C149FED3-0630-4B5B-B385-BB8350E40A74}" type="datetime9">
               <a:rPr lang="en-US" altLang="zh-CN" smtClean="0"/>
-              <a:t>9/10/2015 9:57:18 PM</a:t>
+              <a:t>9/10/2015 10:03:35 PM</a:t>
             </a:fld>
             <a:endParaRPr lang="en-US" dirty="0"/>
           </a:p>
@@ -1316,7 +1328,7 @@
           <a:p>
             <a:fld id="{934577CC-56FB-496D-98F8-8EFECFC227F5}" type="datetime9">
               <a:rPr lang="en-US" altLang="zh-CN" smtClean="0"/>
-              <a:t>9/10/2015 9:57:18 PM</a:t>
+              <a:t>9/10/2015 10:03:35 PM</a:t>
             </a:fld>
             <a:endParaRPr lang="en-US" dirty="0"/>
           </a:p>
@@ -1576,7 +1588,7 @@
           <a:p>
             <a:fld id="{53C29B49-1549-45B8-B4C4-B2FB71B5662A}" type="datetime9">
               <a:rPr lang="en-US" altLang="zh-CN" smtClean="0"/>
-              <a:t>9/10/2015 9:57:18 PM</a:t>
+              <a:t>9/10/2015 10:03:35 PM</a:t>
             </a:fld>
             <a:endParaRPr lang="en-US" dirty="0"/>
           </a:p>
@@ -2001,7 +2013,7 @@
           <a:p>
             <a:fld id="{F82757C4-47FA-4220-B516-1CF90B2161EC}" type="datetime9">
               <a:rPr lang="en-US" altLang="zh-CN" smtClean="0"/>
-              <a:t>9/10/2015 9:57:18 PM</a:t>
+              <a:t>9/10/2015 10:03:35 PM</a:t>
             </a:fld>
             <a:endParaRPr lang="en-US" dirty="0"/>
           </a:p>
@@ -2546,7 +2558,7 @@
           <a:p>
             <a:fld id="{C08633FF-0BAA-4E6A-9E25-AB19E8DE3A31}" type="datetime9">
               <a:rPr lang="en-US" altLang="zh-CN" smtClean="0"/>
-              <a:t>9/10/2015 9:57:18 PM</a:t>
+              <a:t>9/10/2015 10:03:35 PM</a:t>
             </a:fld>
             <a:endParaRPr lang="en-US" dirty="0"/>
           </a:p>
@@ -3376,7 +3388,7 @@
           <a:p>
             <a:fld id="{1BB27291-2453-458F-BFBB-4CACED414DDB}" type="datetime9">
               <a:rPr lang="en-US" altLang="zh-CN" smtClean="0"/>
-              <a:t>9/10/2015 9:57:18 PM</a:t>
+              <a:t>9/10/2015 10:03:35 PM</a:t>
             </a:fld>
             <a:endParaRPr lang="en-US" dirty="0"/>
           </a:p>
@@ -3545,7 +3557,7 @@
           <a:p>
             <a:fld id="{2BA340D1-6896-4C38-B30B-7AA535F7C052}" type="datetime9">
               <a:rPr lang="en-US" altLang="zh-CN" smtClean="0"/>
-              <a:t>9/10/2015 9:57:18 PM</a:t>
+              <a:t>9/10/2015 10:03:35 PM</a:t>
             </a:fld>
             <a:endParaRPr lang="en-US" dirty="0"/>
           </a:p>
@@ -3724,7 +3736,7 @@
           <a:p>
             <a:fld id="{15D52817-1656-43CA-9EED-F4D9E4F34B61}" type="datetime9">
               <a:rPr lang="en-US" altLang="zh-CN" smtClean="0"/>
-              <a:t>9/10/2015 9:57:18 PM</a:t>
+              <a:t>9/10/2015 10:03:35 PM</a:t>
             </a:fld>
             <a:endParaRPr lang="en-US" dirty="0"/>
           </a:p>
@@ -3893,7 +3905,7 @@
           <a:p>
             <a:fld id="{F982E6C5-8FB0-4773-A657-6C3AB1ABFDA3}" type="datetime9">
               <a:rPr lang="en-US" altLang="zh-CN" smtClean="0"/>
-              <a:t>9/10/2015 9:57:18 PM</a:t>
+              <a:t>9/10/2015 10:03:35 PM</a:t>
             </a:fld>
             <a:endParaRPr lang="en-US" dirty="0"/>
           </a:p>
@@ -4149,7 +4161,7 @@
           <a:p>
             <a:fld id="{2192ED6E-F19B-4909-A4BF-FDDACB432976}" type="datetime9">
               <a:rPr lang="en-US" altLang="zh-CN" smtClean="0"/>
-              <a:t>9/10/2015 9:57:18 PM</a:t>
+              <a:t>9/10/2015 10:03:35 PM</a:t>
             </a:fld>
             <a:endParaRPr lang="en-US" dirty="0"/>
           </a:p>
@@ -4380,7 +4392,7 @@
           <a:p>
             <a:fld id="{BD85C1F1-FB8B-42BE-9D85-F43EE4986BB3}" type="datetime9">
               <a:rPr lang="en-US" altLang="zh-CN" smtClean="0"/>
-              <a:t>9/10/2015 9:57:18 PM</a:t>
+              <a:t>9/10/2015 10:03:35 PM</a:t>
             </a:fld>
             <a:endParaRPr lang="en-US" dirty="0"/>
           </a:p>
@@ -4772,7 +4784,7 @@
           <a:p>
             <a:fld id="{533B77F5-2DD7-4A46-A9B2-630FCE4E8944}" type="datetime9">
               <a:rPr lang="en-US" altLang="zh-CN" smtClean="0"/>
-              <a:t>9/10/2015 9:57:18 PM</a:t>
+              <a:t>9/10/2015 10:03:35 PM</a:t>
             </a:fld>
             <a:endParaRPr lang="en-US" dirty="0"/>
           </a:p>
@@ -4889,7 +4901,7 @@
           <a:p>
             <a:fld id="{B3BD0290-7630-43BD-BB81-EBFB2D6E880C}" type="datetime9">
               <a:rPr lang="en-US" altLang="zh-CN" smtClean="0"/>
-              <a:t>9/10/2015 9:57:18 PM</a:t>
+              <a:t>9/10/2015 10:03:35 PM</a:t>
             </a:fld>
             <a:endParaRPr lang="en-US" dirty="0"/>
           </a:p>
@@ -4983,7 +4995,7 @@
           <a:p>
             <a:fld id="{64277D7B-74D1-4C78-94A7-552DA13B6C47}" type="datetime9">
               <a:rPr lang="en-US" altLang="zh-CN" smtClean="0"/>
-              <a:t>9/10/2015 9:57:18 PM</a:t>
+              <a:t>9/10/2015 10:03:35 PM</a:t>
             </a:fld>
             <a:endParaRPr lang="en-US" dirty="0"/>
           </a:p>
@@ -5255,7 +5267,7 @@
           <a:p>
             <a:fld id="{8237086F-4A23-4268-B9F8-C8A251FDE9FE}" type="datetime9">
               <a:rPr lang="en-US" altLang="zh-CN" smtClean="0"/>
-              <a:t>9/10/2015 9:57:18 PM</a:t>
+              <a:t>9/10/2015 10:03:35 PM</a:t>
             </a:fld>
             <a:endParaRPr lang="en-US" dirty="0"/>
           </a:p>
@@ -5535,7 +5547,7 @@
           <a:p>
             <a:fld id="{2E03E524-E030-4EF4-846C-507FD9585DB6}" type="datetime9">
               <a:rPr lang="en-US" altLang="zh-CN" smtClean="0"/>
-              <a:t>9/10/2015 9:57:18 PM</a:t>
+              <a:t>9/10/2015 10:03:35 PM</a:t>
             </a:fld>
             <a:endParaRPr lang="en-US" dirty="0"/>
           </a:p>
@@ -5774,7 +5786,7 @@
           <a:p>
             <a:fld id="{1512701E-E2EC-4B63-9C88-CD7C5F49BCC1}" type="datetime9">
               <a:rPr lang="en-US" altLang="zh-CN" smtClean="0"/>
-              <a:t>9/10/2015 9:57:18 PM</a:t>
+              <a:t>9/10/2015 10:03:35 PM</a:t>
             </a:fld>
             <a:endParaRPr lang="en-US" dirty="0"/>
           </a:p>
@@ -6349,7 +6361,7 @@
         </p:nvSpPr>
         <p:spPr>
           <a:xfrm>
-            <a:off x="5975796" y="3547280"/>
+            <a:off x="6095717" y="3703242"/>
             <a:ext cx="5114521" cy="1641490"/>
           </a:xfrm>
         </p:spPr>
@@ -6359,7 +6371,7 @@
           <a:p>
             <a:r>
               <a:rPr lang="zh-CN" altLang="en-US" dirty="0" smtClean="0"/>
-              <a:t>题目题目</a:t>
+              <a:t>实习答辩</a:t>
             </a:r>
             <a:endParaRPr lang="zh-CN" altLang="en-US" dirty="0"/>
           </a:p>
@@ -6707,6 +6719,1516 @@
   <p:clrMapOvr>
     <a:masterClrMapping/>
   </p:clrMapOvr>
+  <mc:AlternateContent xmlns:mc="http://schemas.openxmlformats.org/markup-compatibility/2006">
+    <mc:Choice xmlns:p14="http://schemas.microsoft.com/office/powerpoint/2010/main" Requires="p14">
+      <p:transition spd="med" p14:dur="700">
+        <p:fade/>
+      </p:transition>
+    </mc:Choice>
+    <mc:Fallback>
+      <p:transition spd="med">
+        <p:fade/>
+      </p:transition>
+    </mc:Fallback>
+  </mc:AlternateContent>
+  <p:timing>
+    <p:tnLst>
+      <p:par>
+        <p:cTn id="1" dur="indefinite" restart="never" nodeType="tmRoot"/>
+      </p:par>
+    </p:tnLst>
+  </p:timing>
+</p:sld>
+</file>
+
+<file path=ppt/slides/slide10.xml><?xml version="1.0" encoding="utf-8"?>
+<p:sld xmlns:a="http://schemas.openxmlformats.org/drawingml/2006/main" xmlns:r="http://schemas.openxmlformats.org/officeDocument/2006/relationships" xmlns:p="http://schemas.openxmlformats.org/presentationml/2006/main">
+  <p:cSld>
+    <p:spTree>
+      <p:nvGrpSpPr>
+        <p:cNvPr id="1" name=""/>
+        <p:cNvGrpSpPr/>
+        <p:nvPr/>
+      </p:nvGrpSpPr>
+      <p:grpSpPr>
+        <a:xfrm>
+          <a:off x="0" y="0"/>
+          <a:ext cx="0" cy="0"/>
+          <a:chOff x="0" y="0"/>
+          <a:chExt cx="0" cy="0"/>
+        </a:xfrm>
+      </p:grpSpPr>
+      <p:sp>
+        <p:nvSpPr>
+          <p:cNvPr id="2" name="标题 1"/>
+          <p:cNvSpPr>
+            <a:spLocks noGrp="1"/>
+          </p:cNvSpPr>
+          <p:nvPr>
+            <p:ph type="title"/>
+          </p:nvPr>
+        </p:nvSpPr>
+        <p:spPr/>
+        <p:txBody>
+          <a:bodyPr/>
+          <a:lstStyle/>
+          <a:p>
+            <a:r>
+              <a:rPr lang="zh-CN" altLang="en-US" dirty="0" smtClean="0"/>
+              <a:t>业务收获</a:t>
+            </a:r>
+            <a:endParaRPr lang="zh-CN" altLang="en-US" dirty="0"/>
+          </a:p>
+        </p:txBody>
+      </p:sp>
+      <p:sp>
+        <p:nvSpPr>
+          <p:cNvPr id="5" name="日期占位符 4"/>
+          <p:cNvSpPr>
+            <a:spLocks noGrp="1"/>
+          </p:cNvSpPr>
+          <p:nvPr>
+            <p:ph type="dt" sz="half" idx="10"/>
+          </p:nvPr>
+        </p:nvSpPr>
+        <p:spPr/>
+        <p:txBody>
+          <a:bodyPr/>
+          <a:lstStyle/>
+          <a:p>
+            <a:fld id="{5EBF2BF7-1C0B-46F0-AA2F-6126860028BF}" type="datetime9">
+              <a:rPr lang="en-US" altLang="zh-CN" smtClean="0"/>
+              <a:t>9/10/2015 11:03:09 PM</a:t>
+            </a:fld>
+            <a:endParaRPr lang="en-US" dirty="0"/>
+          </a:p>
+        </p:txBody>
+      </p:sp>
+      <p:sp>
+        <p:nvSpPr>
+          <p:cNvPr id="6" name="灯片编号占位符 5"/>
+          <p:cNvSpPr>
+            <a:spLocks noGrp="1"/>
+          </p:cNvSpPr>
+          <p:nvPr>
+            <p:ph type="sldNum" sz="quarter" idx="12"/>
+          </p:nvPr>
+        </p:nvSpPr>
+        <p:spPr/>
+        <p:txBody>
+          <a:bodyPr/>
+          <a:lstStyle/>
+          <a:p>
+            <a:fld id="{6D22F896-40B5-4ADD-8801-0D06FADFA095}" type="slidenum">
+              <a:rPr lang="en-US" smtClean="0"/>
+              <a:t>10</a:t>
+            </a:fld>
+            <a:endParaRPr lang="en-US" dirty="0"/>
+          </a:p>
+        </p:txBody>
+      </p:sp>
+      <p:sp>
+        <p:nvSpPr>
+          <p:cNvPr id="4" name="文本框 3"/>
+          <p:cNvSpPr txBox="1"/>
+          <p:nvPr/>
+        </p:nvSpPr>
+        <p:spPr>
+          <a:xfrm>
+            <a:off x="838200" y="1690688"/>
+            <a:ext cx="2743200" cy="369332"/>
+          </a:xfrm>
+          <a:prstGeom prst="rect">
+            <a:avLst/>
+          </a:prstGeom>
+          <a:noFill/>
+        </p:spPr>
+        <p:txBody>
+          <a:bodyPr wrap="square" rtlCol="0">
+            <a:spAutoFit/>
+          </a:bodyPr>
+          <a:lstStyle/>
+          <a:p>
+            <a:pPr marL="285750" indent="-285750">
+              <a:buFont typeface="Wingdings" panose="05000000000000000000" pitchFamily="2" charset="2"/>
+              <a:buChar char="l"/>
+            </a:pPr>
+            <a:r>
+              <a:rPr lang="zh-CN" altLang="en-US" dirty="0" smtClean="0"/>
+              <a:t>其他</a:t>
+            </a:r>
+            <a:endParaRPr lang="zh-CN" altLang="en-US" dirty="0"/>
+          </a:p>
+        </p:txBody>
+      </p:sp>
+      <p:sp>
+        <p:nvSpPr>
+          <p:cNvPr id="12" name="文本框 11"/>
+          <p:cNvSpPr txBox="1"/>
+          <p:nvPr/>
+        </p:nvSpPr>
+        <p:spPr>
+          <a:xfrm>
+            <a:off x="1172314" y="2145955"/>
+            <a:ext cx="4173415" cy="646331"/>
+          </a:xfrm>
+          <a:prstGeom prst="rect">
+            <a:avLst/>
+          </a:prstGeom>
+          <a:noFill/>
+        </p:spPr>
+        <p:txBody>
+          <a:bodyPr wrap="square" rtlCol="0">
+            <a:spAutoFit/>
+          </a:bodyPr>
+          <a:lstStyle/>
+          <a:p>
+            <a:pPr marL="285750" indent="-285750">
+              <a:buFont typeface="Arial" panose="020B0604020202020204" pitchFamily="34" charset="0"/>
+              <a:buChar char="•"/>
+            </a:pPr>
+            <a:r>
+              <a:rPr lang="zh-CN" altLang="en-US" dirty="0" smtClean="0"/>
+              <a:t>主站一些简单的改动</a:t>
+            </a:r>
+            <a:endParaRPr lang="en-US" altLang="zh-CN" dirty="0" smtClean="0"/>
+          </a:p>
+          <a:p>
+            <a:pPr marL="285750" indent="-285750">
+              <a:buFont typeface="Arial" panose="020B0604020202020204" pitchFamily="34" charset="0"/>
+              <a:buChar char="•"/>
+            </a:pPr>
+            <a:r>
+              <a:rPr lang="zh-CN" altLang="en-US" dirty="0" smtClean="0"/>
+              <a:t>一些细小的</a:t>
+            </a:r>
+            <a:r>
+              <a:rPr lang="en-US" altLang="zh-CN" dirty="0" smtClean="0"/>
+              <a:t>bugs</a:t>
+            </a:r>
+          </a:p>
+        </p:txBody>
+      </p:sp>
+    </p:spTree>
+    <p:extLst>
+      <p:ext uri="{BB962C8B-B14F-4D97-AF65-F5344CB8AC3E}">
+        <p14:creationId xmlns:p14="http://schemas.microsoft.com/office/powerpoint/2010/main" val="501190178"/>
+      </p:ext>
+    </p:extLst>
+  </p:cSld>
+  <p:clrMapOvr>
+    <a:masterClrMapping/>
+  </p:clrMapOvr>
+  <mc:AlternateContent xmlns:mc="http://schemas.openxmlformats.org/markup-compatibility/2006">
+    <mc:Choice xmlns:p14="http://schemas.microsoft.com/office/powerpoint/2010/main" Requires="p14">
+      <p:transition spd="med" p14:dur="700">
+        <p:fade/>
+      </p:transition>
+    </mc:Choice>
+    <mc:Fallback>
+      <p:transition spd="med">
+        <p:fade/>
+      </p:transition>
+    </mc:Fallback>
+  </mc:AlternateContent>
+  <p:timing>
+    <p:tnLst>
+      <p:par>
+        <p:cTn id="1" dur="indefinite" restart="never" nodeType="tmRoot"/>
+      </p:par>
+    </p:tnLst>
+  </p:timing>
+</p:sld>
+</file>
+
+<file path=ppt/slides/slide11.xml><?xml version="1.0" encoding="utf-8"?>
+<p:sld xmlns:a="http://schemas.openxmlformats.org/drawingml/2006/main" xmlns:r="http://schemas.openxmlformats.org/officeDocument/2006/relationships" xmlns:p="http://schemas.openxmlformats.org/presentationml/2006/main">
+  <p:cSld>
+    <p:spTree>
+      <p:nvGrpSpPr>
+        <p:cNvPr id="1" name=""/>
+        <p:cNvGrpSpPr/>
+        <p:nvPr/>
+      </p:nvGrpSpPr>
+      <p:grpSpPr>
+        <a:xfrm>
+          <a:off x="0" y="0"/>
+          <a:ext cx="0" cy="0"/>
+          <a:chOff x="0" y="0"/>
+          <a:chExt cx="0" cy="0"/>
+        </a:xfrm>
+      </p:grpSpPr>
+      <p:sp>
+        <p:nvSpPr>
+          <p:cNvPr id="2" name="标题 1"/>
+          <p:cNvSpPr>
+            <a:spLocks noGrp="1"/>
+          </p:cNvSpPr>
+          <p:nvPr>
+            <p:ph type="title"/>
+          </p:nvPr>
+        </p:nvSpPr>
+        <p:spPr/>
+        <p:txBody>
+          <a:bodyPr/>
+          <a:lstStyle/>
+          <a:p>
+            <a:r>
+              <a:rPr lang="zh-CN" altLang="en-US" dirty="0" smtClean="0"/>
+              <a:t>技术成长</a:t>
+            </a:r>
+            <a:endParaRPr lang="zh-CN" altLang="en-US" dirty="0"/>
+          </a:p>
+        </p:txBody>
+      </p:sp>
+      <p:sp>
+        <p:nvSpPr>
+          <p:cNvPr id="5" name="日期占位符 4"/>
+          <p:cNvSpPr>
+            <a:spLocks noGrp="1"/>
+          </p:cNvSpPr>
+          <p:nvPr>
+            <p:ph type="dt" sz="half" idx="10"/>
+          </p:nvPr>
+        </p:nvSpPr>
+        <p:spPr/>
+        <p:txBody>
+          <a:bodyPr/>
+          <a:lstStyle/>
+          <a:p>
+            <a:fld id="{5EBF2BF7-1C0B-46F0-AA2F-6126860028BF}" type="datetime9">
+              <a:rPr lang="en-US" altLang="zh-CN" smtClean="0"/>
+              <a:t>9/10/2015 10:03:35 PM</a:t>
+            </a:fld>
+            <a:endParaRPr lang="en-US" dirty="0"/>
+          </a:p>
+        </p:txBody>
+      </p:sp>
+      <p:sp>
+        <p:nvSpPr>
+          <p:cNvPr id="6" name="灯片编号占位符 5"/>
+          <p:cNvSpPr>
+            <a:spLocks noGrp="1"/>
+          </p:cNvSpPr>
+          <p:nvPr>
+            <p:ph type="sldNum" sz="quarter" idx="12"/>
+          </p:nvPr>
+        </p:nvSpPr>
+        <p:spPr/>
+        <p:txBody>
+          <a:bodyPr/>
+          <a:lstStyle/>
+          <a:p>
+            <a:fld id="{6D22F896-40B5-4ADD-8801-0D06FADFA095}" type="slidenum">
+              <a:rPr lang="en-US" smtClean="0"/>
+              <a:t>11</a:t>
+            </a:fld>
+            <a:endParaRPr lang="en-US" dirty="0"/>
+          </a:p>
+        </p:txBody>
+      </p:sp>
+      <p:sp>
+        <p:nvSpPr>
+          <p:cNvPr id="7" name="文本框 6"/>
+          <p:cNvSpPr txBox="1"/>
+          <p:nvPr/>
+        </p:nvSpPr>
+        <p:spPr>
+          <a:xfrm>
+            <a:off x="838200" y="1690688"/>
+            <a:ext cx="2743200" cy="369332"/>
+          </a:xfrm>
+          <a:prstGeom prst="rect">
+            <a:avLst/>
+          </a:prstGeom>
+          <a:noFill/>
+        </p:spPr>
+        <p:txBody>
+          <a:bodyPr wrap="square" rtlCol="0">
+            <a:spAutoFit/>
+          </a:bodyPr>
+          <a:lstStyle/>
+          <a:p>
+            <a:pPr marL="285750" indent="-285750">
+              <a:buFont typeface="Wingdings" panose="05000000000000000000" pitchFamily="2" charset="2"/>
+              <a:buChar char="l"/>
+            </a:pPr>
+            <a:r>
+              <a:rPr lang="zh-CN" altLang="en-US" dirty="0" smtClean="0"/>
+              <a:t>“干货”</a:t>
+            </a:r>
+            <a:endParaRPr lang="zh-CN" altLang="en-US" dirty="0"/>
+          </a:p>
+        </p:txBody>
+      </p:sp>
+      <p:sp>
+        <p:nvSpPr>
+          <p:cNvPr id="8" name="文本框 7"/>
+          <p:cNvSpPr txBox="1"/>
+          <p:nvPr/>
+        </p:nvSpPr>
+        <p:spPr>
+          <a:xfrm>
+            <a:off x="1172314" y="2145955"/>
+            <a:ext cx="9589471" cy="1754326"/>
+          </a:xfrm>
+          <a:prstGeom prst="rect">
+            <a:avLst/>
+          </a:prstGeom>
+          <a:noFill/>
+        </p:spPr>
+        <p:txBody>
+          <a:bodyPr wrap="square" rtlCol="0">
+            <a:spAutoFit/>
+          </a:bodyPr>
+          <a:lstStyle/>
+          <a:p>
+            <a:pPr marL="285750" indent="-285750">
+              <a:buFont typeface="Arial" panose="020B0604020202020204" pitchFamily="34" charset="0"/>
+              <a:buChar char="•"/>
+            </a:pPr>
+            <a:r>
+              <a:rPr lang="zh-CN" altLang="en-US" dirty="0" smtClean="0"/>
+              <a:t>基本了解了花田整个项目的架构、目录结构；</a:t>
+            </a:r>
+            <a:endParaRPr lang="en-US" altLang="zh-CN" dirty="0" smtClean="0"/>
+          </a:p>
+          <a:p>
+            <a:pPr marL="285750" indent="-285750">
+              <a:buFont typeface="Arial" panose="020B0604020202020204" pitchFamily="34" charset="0"/>
+              <a:buChar char="•"/>
+            </a:pPr>
+            <a:r>
+              <a:rPr lang="zh-CN" altLang="en-US" dirty="0" smtClean="0"/>
+              <a:t>熟悉了</a:t>
+            </a:r>
+            <a:r>
+              <a:rPr lang="en-US" altLang="zh-CN" dirty="0" smtClean="0"/>
+              <a:t>velocity</a:t>
+            </a:r>
+            <a:r>
+              <a:rPr lang="zh-CN" altLang="en-US" dirty="0" smtClean="0"/>
+              <a:t>的基本语法，了解了</a:t>
+            </a:r>
+            <a:r>
+              <a:rPr lang="en-US" altLang="zh-CN" dirty="0" err="1" smtClean="0"/>
+              <a:t>vm</a:t>
+            </a:r>
+            <a:r>
+              <a:rPr lang="zh-CN" altLang="en-US" dirty="0" smtClean="0"/>
+              <a:t>各文件之间的关系；</a:t>
+            </a:r>
+            <a:endParaRPr lang="en-US" altLang="zh-CN" dirty="0" smtClean="0"/>
+          </a:p>
+          <a:p>
+            <a:pPr marL="285750" indent="-285750">
+              <a:buFont typeface="Arial" panose="020B0604020202020204" pitchFamily="34" charset="0"/>
+              <a:buChar char="•"/>
+            </a:pPr>
+            <a:r>
+              <a:rPr lang="zh-CN" altLang="en-US" dirty="0" smtClean="0"/>
+              <a:t>了解了项目中的代码规范，每行代码都须遵循；</a:t>
+            </a:r>
+            <a:endParaRPr lang="en-US" altLang="zh-CN" dirty="0" smtClean="0"/>
+          </a:p>
+          <a:p>
+            <a:pPr marL="285750" indent="-285750">
+              <a:buFont typeface="Arial" panose="020B0604020202020204" pitchFamily="34" charset="0"/>
+              <a:buChar char="•"/>
+            </a:pPr>
+            <a:r>
+              <a:rPr lang="zh-CN" altLang="en-US" dirty="0" smtClean="0"/>
+              <a:t>学习了</a:t>
+            </a:r>
+            <a:r>
+              <a:rPr lang="en-US" altLang="zh-CN" dirty="0" err="1" smtClean="0"/>
+              <a:t>js</a:t>
+            </a:r>
+            <a:r>
+              <a:rPr lang="zh-CN" altLang="en-US" dirty="0" smtClean="0"/>
+              <a:t>类与继承、面向对象的东西、各文件之间的相互调用、</a:t>
+            </a:r>
+            <a:r>
+              <a:rPr lang="en-US" altLang="zh-CN" dirty="0" err="1" smtClean="0"/>
+              <a:t>js</a:t>
+            </a:r>
+            <a:r>
+              <a:rPr lang="zh-CN" altLang="en-US" dirty="0" smtClean="0"/>
+              <a:t>模板的使用</a:t>
+            </a:r>
+            <a:endParaRPr lang="en-US" altLang="zh-CN" dirty="0" smtClean="0"/>
+          </a:p>
+          <a:p>
+            <a:pPr marL="285750" indent="-285750">
+              <a:buFont typeface="Arial" panose="020B0604020202020204" pitchFamily="34" charset="0"/>
+              <a:buChar char="•"/>
+            </a:pPr>
+            <a:r>
+              <a:rPr lang="zh-CN" altLang="en-US" dirty="0" smtClean="0"/>
+              <a:t>学习了</a:t>
+            </a:r>
+            <a:r>
+              <a:rPr lang="en-US" altLang="zh-CN" dirty="0" err="1" smtClean="0"/>
+              <a:t>css</a:t>
+            </a:r>
+            <a:r>
+              <a:rPr lang="zh-CN" altLang="en-US" dirty="0" smtClean="0"/>
+              <a:t>之前未曾涉猎的深层的东西，了解了</a:t>
+            </a:r>
+            <a:r>
+              <a:rPr lang="en-US" altLang="zh-CN" dirty="0" err="1" smtClean="0"/>
+              <a:t>css</a:t>
+            </a:r>
+            <a:r>
+              <a:rPr lang="zh-CN" altLang="en-US" dirty="0" smtClean="0"/>
+              <a:t>上的欠缺；</a:t>
+            </a:r>
+            <a:endParaRPr lang="en-US" altLang="zh-CN" dirty="0" smtClean="0"/>
+          </a:p>
+          <a:p>
+            <a:pPr marL="285750" indent="-285750">
+              <a:buFont typeface="Arial" panose="020B0604020202020204" pitchFamily="34" charset="0"/>
+              <a:buChar char="•"/>
+            </a:pPr>
+            <a:r>
+              <a:rPr lang="zh-CN" altLang="en-US" dirty="0" smtClean="0"/>
+              <a:t>学习了如何规范书写</a:t>
+            </a:r>
+            <a:r>
+              <a:rPr lang="en-US" altLang="zh-CN" dirty="0" smtClean="0"/>
+              <a:t>html</a:t>
+            </a:r>
+            <a:r>
+              <a:rPr lang="zh-CN" altLang="en-US" dirty="0" smtClean="0"/>
+              <a:t>：标签的选择，</a:t>
+            </a:r>
+            <a:r>
+              <a:rPr lang="en-US" altLang="zh-CN" dirty="0" smtClean="0"/>
+              <a:t>id</a:t>
+            </a:r>
+            <a:r>
+              <a:rPr lang="zh-CN" altLang="en-US" dirty="0" smtClean="0"/>
+              <a:t>、</a:t>
+            </a:r>
+            <a:r>
+              <a:rPr lang="en-US" altLang="zh-CN" dirty="0" smtClean="0"/>
+              <a:t>class</a:t>
+            </a:r>
+            <a:r>
+              <a:rPr lang="zh-CN" altLang="en-US" dirty="0" smtClean="0"/>
+              <a:t>的命名规范</a:t>
+            </a:r>
+            <a:endParaRPr lang="zh-CN" altLang="en-US" dirty="0"/>
+          </a:p>
+        </p:txBody>
+      </p:sp>
+    </p:spTree>
+    <p:extLst>
+      <p:ext uri="{BB962C8B-B14F-4D97-AF65-F5344CB8AC3E}">
+        <p14:creationId xmlns:p14="http://schemas.microsoft.com/office/powerpoint/2010/main" val="1251313073"/>
+      </p:ext>
+    </p:extLst>
+  </p:cSld>
+  <p:clrMapOvr>
+    <a:masterClrMapping/>
+  </p:clrMapOvr>
+  <mc:AlternateContent xmlns:mc="http://schemas.openxmlformats.org/markup-compatibility/2006">
+    <mc:Choice xmlns:p14="http://schemas.microsoft.com/office/powerpoint/2010/main" Requires="p14">
+      <p:transition spd="med" p14:dur="700">
+        <p:fade/>
+      </p:transition>
+    </mc:Choice>
+    <mc:Fallback>
+      <p:transition spd="med">
+        <p:fade/>
+      </p:transition>
+    </mc:Fallback>
+  </mc:AlternateContent>
+  <p:timing>
+    <p:tnLst>
+      <p:par>
+        <p:cTn id="1" dur="indefinite" restart="never" nodeType="tmRoot"/>
+      </p:par>
+    </p:tnLst>
+  </p:timing>
+</p:sld>
+</file>
+
+<file path=ppt/slides/slide12.xml><?xml version="1.0" encoding="utf-8"?>
+<p:sld xmlns:a="http://schemas.openxmlformats.org/drawingml/2006/main" xmlns:r="http://schemas.openxmlformats.org/officeDocument/2006/relationships" xmlns:p="http://schemas.openxmlformats.org/presentationml/2006/main">
+  <p:cSld>
+    <p:spTree>
+      <p:nvGrpSpPr>
+        <p:cNvPr id="1" name=""/>
+        <p:cNvGrpSpPr/>
+        <p:nvPr/>
+      </p:nvGrpSpPr>
+      <p:grpSpPr>
+        <a:xfrm>
+          <a:off x="0" y="0"/>
+          <a:ext cx="0" cy="0"/>
+          <a:chOff x="0" y="0"/>
+          <a:chExt cx="0" cy="0"/>
+        </a:xfrm>
+      </p:grpSpPr>
+      <p:sp>
+        <p:nvSpPr>
+          <p:cNvPr id="2" name="标题 1"/>
+          <p:cNvSpPr>
+            <a:spLocks noGrp="1"/>
+          </p:cNvSpPr>
+          <p:nvPr>
+            <p:ph type="title"/>
+          </p:nvPr>
+        </p:nvSpPr>
+        <p:spPr/>
+        <p:txBody>
+          <a:bodyPr/>
+          <a:lstStyle/>
+          <a:p>
+            <a:r>
+              <a:rPr lang="zh-CN" altLang="en-US" dirty="0" smtClean="0"/>
+              <a:t>技术成长</a:t>
+            </a:r>
+            <a:endParaRPr lang="zh-CN" altLang="en-US" dirty="0"/>
+          </a:p>
+        </p:txBody>
+      </p:sp>
+      <p:sp>
+        <p:nvSpPr>
+          <p:cNvPr id="5" name="日期占位符 4"/>
+          <p:cNvSpPr>
+            <a:spLocks noGrp="1"/>
+          </p:cNvSpPr>
+          <p:nvPr>
+            <p:ph type="dt" sz="half" idx="10"/>
+          </p:nvPr>
+        </p:nvSpPr>
+        <p:spPr/>
+        <p:txBody>
+          <a:bodyPr/>
+          <a:lstStyle/>
+          <a:p>
+            <a:fld id="{5EBF2BF7-1C0B-46F0-AA2F-6126860028BF}" type="datetime9">
+              <a:rPr lang="en-US" altLang="zh-CN" smtClean="0"/>
+              <a:t>9/10/2015 11:53:57 PM</a:t>
+            </a:fld>
+            <a:endParaRPr lang="en-US" dirty="0"/>
+          </a:p>
+        </p:txBody>
+      </p:sp>
+      <p:sp>
+        <p:nvSpPr>
+          <p:cNvPr id="6" name="灯片编号占位符 5"/>
+          <p:cNvSpPr>
+            <a:spLocks noGrp="1"/>
+          </p:cNvSpPr>
+          <p:nvPr>
+            <p:ph type="sldNum" sz="quarter" idx="12"/>
+          </p:nvPr>
+        </p:nvSpPr>
+        <p:spPr/>
+        <p:txBody>
+          <a:bodyPr/>
+          <a:lstStyle/>
+          <a:p>
+            <a:fld id="{6D22F896-40B5-4ADD-8801-0D06FADFA095}" type="slidenum">
+              <a:rPr lang="en-US" smtClean="0"/>
+              <a:t>12</a:t>
+            </a:fld>
+            <a:endParaRPr lang="en-US" dirty="0"/>
+          </a:p>
+        </p:txBody>
+      </p:sp>
+      <p:sp>
+        <p:nvSpPr>
+          <p:cNvPr id="7" name="文本框 6"/>
+          <p:cNvSpPr txBox="1"/>
+          <p:nvPr/>
+        </p:nvSpPr>
+        <p:spPr>
+          <a:xfrm>
+            <a:off x="838200" y="1690688"/>
+            <a:ext cx="2743200" cy="369332"/>
+          </a:xfrm>
+          <a:prstGeom prst="rect">
+            <a:avLst/>
+          </a:prstGeom>
+          <a:noFill/>
+        </p:spPr>
+        <p:txBody>
+          <a:bodyPr wrap="square" rtlCol="0">
+            <a:spAutoFit/>
+          </a:bodyPr>
+          <a:lstStyle/>
+          <a:p>
+            <a:pPr marL="285750" indent="-285750">
+              <a:buFont typeface="Wingdings" panose="05000000000000000000" pitchFamily="2" charset="2"/>
+              <a:buChar char="l"/>
+            </a:pPr>
+            <a:r>
+              <a:rPr lang="zh-CN" altLang="en-US" dirty="0" smtClean="0"/>
+              <a:t>“干货”</a:t>
+            </a:r>
+            <a:endParaRPr lang="zh-CN" altLang="en-US" dirty="0"/>
+          </a:p>
+        </p:txBody>
+      </p:sp>
+      <p:sp>
+        <p:nvSpPr>
+          <p:cNvPr id="8" name="文本框 7"/>
+          <p:cNvSpPr txBox="1"/>
+          <p:nvPr/>
+        </p:nvSpPr>
+        <p:spPr>
+          <a:xfrm>
+            <a:off x="1172314" y="2145955"/>
+            <a:ext cx="9589471" cy="646331"/>
+          </a:xfrm>
+          <a:prstGeom prst="rect">
+            <a:avLst/>
+          </a:prstGeom>
+          <a:noFill/>
+        </p:spPr>
+        <p:txBody>
+          <a:bodyPr wrap="square" rtlCol="0">
+            <a:spAutoFit/>
+          </a:bodyPr>
+          <a:lstStyle/>
+          <a:p>
+            <a:pPr marL="285750" indent="-285750">
+              <a:buFont typeface="Arial" panose="020B0604020202020204" pitchFamily="34" charset="0"/>
+              <a:buChar char="•"/>
+            </a:pPr>
+            <a:r>
+              <a:rPr lang="zh-CN" altLang="en-US" dirty="0" smtClean="0"/>
+              <a:t>一些工具的使用：</a:t>
+            </a:r>
+            <a:r>
+              <a:rPr lang="en-US" altLang="zh-CN" dirty="0" err="1" smtClean="0"/>
+              <a:t>xshell</a:t>
+            </a:r>
+            <a:r>
+              <a:rPr lang="zh-CN" altLang="en-US" dirty="0" smtClean="0"/>
+              <a:t>的使用、</a:t>
+            </a:r>
+            <a:r>
+              <a:rPr lang="en-US" altLang="zh-CN" dirty="0" err="1" smtClean="0"/>
+              <a:t>svn</a:t>
+            </a:r>
+            <a:r>
+              <a:rPr lang="zh-CN" altLang="en-US" dirty="0" smtClean="0"/>
+              <a:t>简单命令行、</a:t>
+            </a:r>
+            <a:r>
+              <a:rPr lang="en-US" altLang="zh-CN" dirty="0" smtClean="0"/>
+              <a:t>ftp</a:t>
+            </a:r>
+            <a:r>
+              <a:rPr lang="zh-CN" altLang="en-US" dirty="0" smtClean="0"/>
+              <a:t>、</a:t>
+            </a:r>
+            <a:r>
+              <a:rPr lang="en-US" altLang="zh-CN" dirty="0" smtClean="0"/>
+              <a:t>sublime</a:t>
+            </a:r>
+            <a:r>
+              <a:rPr lang="zh-CN" altLang="en-US" dirty="0" smtClean="0"/>
+              <a:t>等；</a:t>
+            </a:r>
+            <a:endParaRPr lang="en-US" altLang="zh-CN" dirty="0" smtClean="0"/>
+          </a:p>
+          <a:p>
+            <a:pPr marL="285750" indent="-285750">
+              <a:buFont typeface="Arial" panose="020B0604020202020204" pitchFamily="34" charset="0"/>
+              <a:buChar char="•"/>
+            </a:pPr>
+            <a:r>
+              <a:rPr lang="en-US" altLang="zh-CN" dirty="0" smtClean="0"/>
+              <a:t>CMS</a:t>
+            </a:r>
+            <a:r>
+              <a:rPr lang="zh-CN" altLang="en-US" dirty="0" smtClean="0"/>
+              <a:t>、</a:t>
+            </a:r>
+            <a:r>
+              <a:rPr lang="en-US" altLang="zh-CN" dirty="0" err="1" smtClean="0"/>
+              <a:t>redmine</a:t>
+            </a:r>
+            <a:r>
+              <a:rPr lang="zh-CN" altLang="en-US" dirty="0" smtClean="0"/>
+              <a:t>、</a:t>
+            </a:r>
+            <a:r>
+              <a:rPr lang="en-US" altLang="zh-CN" dirty="0" smtClean="0"/>
+              <a:t>wiki</a:t>
+            </a:r>
+            <a:r>
+              <a:rPr lang="zh-CN" altLang="en-US" dirty="0" smtClean="0"/>
+              <a:t>、</a:t>
+            </a:r>
+            <a:r>
+              <a:rPr lang="en-US" altLang="zh-CN" dirty="0" err="1" smtClean="0"/>
+              <a:t>worktile</a:t>
+            </a:r>
+            <a:r>
+              <a:rPr lang="zh-CN" altLang="en-US" dirty="0" smtClean="0"/>
+              <a:t>、</a:t>
+            </a:r>
+            <a:r>
+              <a:rPr lang="en-US" altLang="zh-CN" dirty="0" err="1" smtClean="0"/>
+              <a:t>github</a:t>
+            </a:r>
+            <a:r>
+              <a:rPr lang="zh-CN" altLang="en-US" dirty="0" smtClean="0"/>
+              <a:t>等。</a:t>
+            </a:r>
+            <a:endParaRPr lang="zh-CN" altLang="en-US" dirty="0"/>
+          </a:p>
+        </p:txBody>
+      </p:sp>
+    </p:spTree>
+    <p:extLst>
+      <p:ext uri="{BB962C8B-B14F-4D97-AF65-F5344CB8AC3E}">
+        <p14:creationId xmlns:p14="http://schemas.microsoft.com/office/powerpoint/2010/main" val="1791404024"/>
+      </p:ext>
+    </p:extLst>
+  </p:cSld>
+  <p:clrMapOvr>
+    <a:masterClrMapping/>
+  </p:clrMapOvr>
+  <mc:AlternateContent xmlns:mc="http://schemas.openxmlformats.org/markup-compatibility/2006">
+    <mc:Choice xmlns:p14="http://schemas.microsoft.com/office/powerpoint/2010/main" Requires="p14">
+      <p:transition spd="med" p14:dur="700">
+        <p:fade/>
+      </p:transition>
+    </mc:Choice>
+    <mc:Fallback>
+      <p:transition spd="med">
+        <p:fade/>
+      </p:transition>
+    </mc:Fallback>
+  </mc:AlternateContent>
+  <p:timing>
+    <p:tnLst>
+      <p:par>
+        <p:cTn id="1" dur="indefinite" restart="never" nodeType="tmRoot"/>
+      </p:par>
+    </p:tnLst>
+  </p:timing>
+</p:sld>
+</file>
+
+<file path=ppt/slides/slide13.xml><?xml version="1.0" encoding="utf-8"?>
+<p:sld xmlns:a="http://schemas.openxmlformats.org/drawingml/2006/main" xmlns:r="http://schemas.openxmlformats.org/officeDocument/2006/relationships" xmlns:p="http://schemas.openxmlformats.org/presentationml/2006/main">
+  <p:cSld>
+    <p:spTree>
+      <p:nvGrpSpPr>
+        <p:cNvPr id="1" name=""/>
+        <p:cNvGrpSpPr/>
+        <p:nvPr/>
+      </p:nvGrpSpPr>
+      <p:grpSpPr>
+        <a:xfrm>
+          <a:off x="0" y="0"/>
+          <a:ext cx="0" cy="0"/>
+          <a:chOff x="0" y="0"/>
+          <a:chExt cx="0" cy="0"/>
+        </a:xfrm>
+      </p:grpSpPr>
+      <p:sp>
+        <p:nvSpPr>
+          <p:cNvPr id="2" name="标题 1"/>
+          <p:cNvSpPr>
+            <a:spLocks noGrp="1"/>
+          </p:cNvSpPr>
+          <p:nvPr>
+            <p:ph type="title"/>
+          </p:nvPr>
+        </p:nvSpPr>
+        <p:spPr/>
+        <p:txBody>
+          <a:bodyPr/>
+          <a:lstStyle/>
+          <a:p>
+            <a:r>
+              <a:rPr lang="zh-CN" altLang="en-US" dirty="0" smtClean="0"/>
+              <a:t>技术成长</a:t>
+            </a:r>
+            <a:endParaRPr lang="zh-CN" altLang="en-US" dirty="0"/>
+          </a:p>
+        </p:txBody>
+      </p:sp>
+      <p:sp>
+        <p:nvSpPr>
+          <p:cNvPr id="5" name="日期占位符 4"/>
+          <p:cNvSpPr>
+            <a:spLocks noGrp="1"/>
+          </p:cNvSpPr>
+          <p:nvPr>
+            <p:ph type="dt" sz="half" idx="10"/>
+          </p:nvPr>
+        </p:nvSpPr>
+        <p:spPr/>
+        <p:txBody>
+          <a:bodyPr/>
+          <a:lstStyle/>
+          <a:p>
+            <a:fld id="{5EBF2BF7-1C0B-46F0-AA2F-6126860028BF}" type="datetime9">
+              <a:rPr lang="en-US" altLang="zh-CN" smtClean="0"/>
+              <a:t>9/10/2015 11:56:52 PM</a:t>
+            </a:fld>
+            <a:endParaRPr lang="en-US" dirty="0"/>
+          </a:p>
+        </p:txBody>
+      </p:sp>
+      <p:sp>
+        <p:nvSpPr>
+          <p:cNvPr id="6" name="灯片编号占位符 5"/>
+          <p:cNvSpPr>
+            <a:spLocks noGrp="1"/>
+          </p:cNvSpPr>
+          <p:nvPr>
+            <p:ph type="sldNum" sz="quarter" idx="12"/>
+          </p:nvPr>
+        </p:nvSpPr>
+        <p:spPr/>
+        <p:txBody>
+          <a:bodyPr/>
+          <a:lstStyle/>
+          <a:p>
+            <a:fld id="{6D22F896-40B5-4ADD-8801-0D06FADFA095}" type="slidenum">
+              <a:rPr lang="en-US" smtClean="0"/>
+              <a:t>13</a:t>
+            </a:fld>
+            <a:endParaRPr lang="en-US" dirty="0"/>
+          </a:p>
+        </p:txBody>
+      </p:sp>
+      <p:sp>
+        <p:nvSpPr>
+          <p:cNvPr id="7" name="文本框 6"/>
+          <p:cNvSpPr txBox="1"/>
+          <p:nvPr/>
+        </p:nvSpPr>
+        <p:spPr>
+          <a:xfrm>
+            <a:off x="838200" y="1690688"/>
+            <a:ext cx="2743200" cy="369332"/>
+          </a:xfrm>
+          <a:prstGeom prst="rect">
+            <a:avLst/>
+          </a:prstGeom>
+          <a:noFill/>
+        </p:spPr>
+        <p:txBody>
+          <a:bodyPr wrap="square" rtlCol="0">
+            <a:spAutoFit/>
+          </a:bodyPr>
+          <a:lstStyle/>
+          <a:p>
+            <a:pPr marL="285750" indent="-285750">
+              <a:buFont typeface="Wingdings" panose="05000000000000000000" pitchFamily="2" charset="2"/>
+              <a:buChar char="l"/>
+            </a:pPr>
+            <a:r>
+              <a:rPr lang="zh-CN" altLang="en-US" dirty="0" smtClean="0"/>
+              <a:t>“软件”</a:t>
+            </a:r>
+            <a:endParaRPr lang="zh-CN" altLang="en-US" dirty="0"/>
+          </a:p>
+        </p:txBody>
+      </p:sp>
+      <p:sp>
+        <p:nvSpPr>
+          <p:cNvPr id="8" name="文本框 7"/>
+          <p:cNvSpPr txBox="1"/>
+          <p:nvPr/>
+        </p:nvSpPr>
+        <p:spPr>
+          <a:xfrm>
+            <a:off x="1172314" y="2145955"/>
+            <a:ext cx="9589471" cy="923330"/>
+          </a:xfrm>
+          <a:prstGeom prst="rect">
+            <a:avLst/>
+          </a:prstGeom>
+          <a:noFill/>
+        </p:spPr>
+        <p:txBody>
+          <a:bodyPr wrap="square" rtlCol="0">
+            <a:spAutoFit/>
+          </a:bodyPr>
+          <a:lstStyle/>
+          <a:p>
+            <a:pPr marL="285750" indent="-285750">
+              <a:buFont typeface="Arial" panose="020B0604020202020204" pitchFamily="34" charset="0"/>
+              <a:buChar char="•"/>
+            </a:pPr>
+            <a:r>
+              <a:rPr lang="zh-CN" altLang="en-US" dirty="0" smtClean="0"/>
+              <a:t>了解了团队合作的整个过程</a:t>
+            </a:r>
+            <a:endParaRPr lang="en-US" altLang="zh-CN" dirty="0" smtClean="0"/>
+          </a:p>
+          <a:p>
+            <a:pPr marL="285750" indent="-285750">
+              <a:buFont typeface="Arial" panose="020B0604020202020204" pitchFamily="34" charset="0"/>
+              <a:buChar char="•"/>
+            </a:pPr>
+            <a:r>
+              <a:rPr lang="zh-CN" altLang="en-US" dirty="0" smtClean="0"/>
+              <a:t>一个产品从无到有，到测试，到上线的完整流程</a:t>
+            </a:r>
+            <a:endParaRPr lang="en-US" altLang="zh-CN" dirty="0" smtClean="0"/>
+          </a:p>
+          <a:p>
+            <a:pPr marL="285750" indent="-285750">
+              <a:buFont typeface="Arial" panose="020B0604020202020204" pitchFamily="34" charset="0"/>
+              <a:buChar char="•"/>
+            </a:pPr>
+            <a:r>
+              <a:rPr lang="zh-CN" altLang="en-US" dirty="0" smtClean="0"/>
+              <a:t>前端与同事沟通的重要性：产品、</a:t>
+            </a:r>
+            <a:r>
+              <a:rPr lang="en-US" altLang="zh-CN" dirty="0" smtClean="0"/>
+              <a:t>UI</a:t>
+            </a:r>
+            <a:r>
+              <a:rPr lang="zh-CN" altLang="en-US" dirty="0" smtClean="0"/>
+              <a:t>、后台、测试、运营等</a:t>
+            </a:r>
+            <a:endParaRPr lang="zh-CN" altLang="en-US" dirty="0"/>
+          </a:p>
+        </p:txBody>
+      </p:sp>
+    </p:spTree>
+    <p:extLst>
+      <p:ext uri="{BB962C8B-B14F-4D97-AF65-F5344CB8AC3E}">
+        <p14:creationId xmlns:p14="http://schemas.microsoft.com/office/powerpoint/2010/main" val="650595318"/>
+      </p:ext>
+    </p:extLst>
+  </p:cSld>
+  <p:clrMapOvr>
+    <a:masterClrMapping/>
+  </p:clrMapOvr>
+  <mc:AlternateContent xmlns:mc="http://schemas.openxmlformats.org/markup-compatibility/2006">
+    <mc:Choice xmlns:p14="http://schemas.microsoft.com/office/powerpoint/2010/main" Requires="p14">
+      <p:transition spd="med" p14:dur="700">
+        <p:fade/>
+      </p:transition>
+    </mc:Choice>
+    <mc:Fallback>
+      <p:transition spd="med">
+        <p:fade/>
+      </p:transition>
+    </mc:Fallback>
+  </mc:AlternateContent>
+  <p:timing>
+    <p:tnLst>
+      <p:par>
+        <p:cTn id="1" dur="indefinite" restart="never" nodeType="tmRoot"/>
+      </p:par>
+    </p:tnLst>
+  </p:timing>
+</p:sld>
+</file>
+
+<file path=ppt/slides/slide14.xml><?xml version="1.0" encoding="utf-8"?>
+<p:sld xmlns:a="http://schemas.openxmlformats.org/drawingml/2006/main" xmlns:r="http://schemas.openxmlformats.org/officeDocument/2006/relationships" xmlns:p="http://schemas.openxmlformats.org/presentationml/2006/main">
+  <p:cSld>
+    <p:spTree>
+      <p:nvGrpSpPr>
+        <p:cNvPr id="1" name=""/>
+        <p:cNvGrpSpPr/>
+        <p:nvPr/>
+      </p:nvGrpSpPr>
+      <p:grpSpPr>
+        <a:xfrm>
+          <a:off x="0" y="0"/>
+          <a:ext cx="0" cy="0"/>
+          <a:chOff x="0" y="0"/>
+          <a:chExt cx="0" cy="0"/>
+        </a:xfrm>
+      </p:grpSpPr>
+      <p:sp>
+        <p:nvSpPr>
+          <p:cNvPr id="2" name="标题 1"/>
+          <p:cNvSpPr>
+            <a:spLocks noGrp="1"/>
+          </p:cNvSpPr>
+          <p:nvPr>
+            <p:ph type="title"/>
+          </p:nvPr>
+        </p:nvSpPr>
+        <p:spPr/>
+        <p:txBody>
+          <a:bodyPr/>
+          <a:lstStyle/>
+          <a:p>
+            <a:r>
+              <a:rPr lang="zh-CN" altLang="en-US" dirty="0" smtClean="0"/>
+              <a:t>技术成长</a:t>
+            </a:r>
+            <a:endParaRPr lang="zh-CN" altLang="en-US" dirty="0"/>
+          </a:p>
+        </p:txBody>
+      </p:sp>
+      <p:sp>
+        <p:nvSpPr>
+          <p:cNvPr id="5" name="日期占位符 4"/>
+          <p:cNvSpPr>
+            <a:spLocks noGrp="1"/>
+          </p:cNvSpPr>
+          <p:nvPr>
+            <p:ph type="dt" sz="half" idx="10"/>
+          </p:nvPr>
+        </p:nvSpPr>
+        <p:spPr/>
+        <p:txBody>
+          <a:bodyPr/>
+          <a:lstStyle/>
+          <a:p>
+            <a:fld id="{5EBF2BF7-1C0B-46F0-AA2F-6126860028BF}" type="datetime9">
+              <a:rPr lang="en-US" altLang="zh-CN" smtClean="0"/>
+              <a:t>9/10/2015 11:59:45 PM</a:t>
+            </a:fld>
+            <a:endParaRPr lang="en-US" dirty="0"/>
+          </a:p>
+        </p:txBody>
+      </p:sp>
+      <p:sp>
+        <p:nvSpPr>
+          <p:cNvPr id="6" name="灯片编号占位符 5"/>
+          <p:cNvSpPr>
+            <a:spLocks noGrp="1"/>
+          </p:cNvSpPr>
+          <p:nvPr>
+            <p:ph type="sldNum" sz="quarter" idx="12"/>
+          </p:nvPr>
+        </p:nvSpPr>
+        <p:spPr/>
+        <p:txBody>
+          <a:bodyPr/>
+          <a:lstStyle/>
+          <a:p>
+            <a:fld id="{6D22F896-40B5-4ADD-8801-0D06FADFA095}" type="slidenum">
+              <a:rPr lang="en-US" smtClean="0"/>
+              <a:t>14</a:t>
+            </a:fld>
+            <a:endParaRPr lang="en-US" dirty="0"/>
+          </a:p>
+        </p:txBody>
+      </p:sp>
+      <p:sp>
+        <p:nvSpPr>
+          <p:cNvPr id="7" name="文本框 6"/>
+          <p:cNvSpPr txBox="1"/>
+          <p:nvPr/>
+        </p:nvSpPr>
+        <p:spPr>
+          <a:xfrm>
+            <a:off x="838200" y="1690688"/>
+            <a:ext cx="2743200" cy="369332"/>
+          </a:xfrm>
+          <a:prstGeom prst="rect">
+            <a:avLst/>
+          </a:prstGeom>
+          <a:noFill/>
+        </p:spPr>
+        <p:txBody>
+          <a:bodyPr wrap="square" rtlCol="0">
+            <a:spAutoFit/>
+          </a:bodyPr>
+          <a:lstStyle/>
+          <a:p>
+            <a:pPr marL="285750" indent="-285750">
+              <a:buFont typeface="Wingdings" panose="05000000000000000000" pitchFamily="2" charset="2"/>
+              <a:buChar char="l"/>
+            </a:pPr>
+            <a:r>
+              <a:rPr lang="zh-CN" altLang="en-US" dirty="0" smtClean="0"/>
+              <a:t>“软件”</a:t>
+            </a:r>
+            <a:endParaRPr lang="zh-CN" altLang="en-US" dirty="0"/>
+          </a:p>
+        </p:txBody>
+      </p:sp>
+      <p:sp>
+        <p:nvSpPr>
+          <p:cNvPr id="8" name="文本框 7"/>
+          <p:cNvSpPr txBox="1"/>
+          <p:nvPr/>
+        </p:nvSpPr>
+        <p:spPr>
+          <a:xfrm>
+            <a:off x="1172314" y="2145955"/>
+            <a:ext cx="9589471" cy="646331"/>
+          </a:xfrm>
+          <a:prstGeom prst="rect">
+            <a:avLst/>
+          </a:prstGeom>
+          <a:noFill/>
+        </p:spPr>
+        <p:txBody>
+          <a:bodyPr wrap="square" rtlCol="0">
+            <a:spAutoFit/>
+          </a:bodyPr>
+          <a:lstStyle/>
+          <a:p>
+            <a:pPr marL="285750" indent="-285750">
+              <a:buFont typeface="Arial" panose="020B0604020202020204" pitchFamily="34" charset="0"/>
+              <a:buChar char="•"/>
+            </a:pPr>
+            <a:r>
+              <a:rPr lang="zh-CN" altLang="en-US" dirty="0" smtClean="0"/>
+              <a:t>开发氛围：共享、互助、轻松</a:t>
+            </a:r>
+            <a:endParaRPr lang="en-US" altLang="zh-CN" dirty="0" smtClean="0"/>
+          </a:p>
+          <a:p>
+            <a:pPr marL="285750" indent="-285750">
+              <a:buFont typeface="Arial" panose="020B0604020202020204" pitchFamily="34" charset="0"/>
+              <a:buChar char="•"/>
+            </a:pPr>
+            <a:r>
+              <a:rPr lang="zh-CN" altLang="en-US" b="1" dirty="0" smtClean="0">
+                <a:solidFill>
+                  <a:srgbClr val="FF0000"/>
+                </a:solidFill>
+              </a:rPr>
+              <a:t>成就感</a:t>
+            </a:r>
+            <a:endParaRPr lang="zh-CN" altLang="en-US" b="1" dirty="0">
+              <a:solidFill>
+                <a:srgbClr val="FF0000"/>
+              </a:solidFill>
+            </a:endParaRPr>
+          </a:p>
+        </p:txBody>
+      </p:sp>
+    </p:spTree>
+    <p:extLst>
+      <p:ext uri="{BB962C8B-B14F-4D97-AF65-F5344CB8AC3E}">
+        <p14:creationId xmlns:p14="http://schemas.microsoft.com/office/powerpoint/2010/main" val="2105877064"/>
+      </p:ext>
+    </p:extLst>
+  </p:cSld>
+  <p:clrMapOvr>
+    <a:masterClrMapping/>
+  </p:clrMapOvr>
+  <mc:AlternateContent xmlns:mc="http://schemas.openxmlformats.org/markup-compatibility/2006">
+    <mc:Choice xmlns:p14="http://schemas.microsoft.com/office/powerpoint/2010/main" Requires="p14">
+      <p:transition spd="med" p14:dur="700">
+        <p:fade/>
+      </p:transition>
+    </mc:Choice>
+    <mc:Fallback>
+      <p:transition spd="med">
+        <p:fade/>
+      </p:transition>
+    </mc:Fallback>
+  </mc:AlternateContent>
+  <p:timing>
+    <p:tnLst>
+      <p:par>
+        <p:cTn id="1" dur="indefinite" restart="never" nodeType="tmRoot"/>
+      </p:par>
+    </p:tnLst>
+  </p:timing>
+</p:sld>
+</file>
+
+<file path=ppt/slides/slide15.xml><?xml version="1.0" encoding="utf-8"?>
+<p:sld xmlns:a="http://schemas.openxmlformats.org/drawingml/2006/main" xmlns:r="http://schemas.openxmlformats.org/officeDocument/2006/relationships" xmlns:p="http://schemas.openxmlformats.org/presentationml/2006/main">
+  <p:cSld>
+    <p:spTree>
+      <p:nvGrpSpPr>
+        <p:cNvPr id="1" name=""/>
+        <p:cNvGrpSpPr/>
+        <p:nvPr/>
+      </p:nvGrpSpPr>
+      <p:grpSpPr>
+        <a:xfrm>
+          <a:off x="0" y="0"/>
+          <a:ext cx="0" cy="0"/>
+          <a:chOff x="0" y="0"/>
+          <a:chExt cx="0" cy="0"/>
+        </a:xfrm>
+      </p:grpSpPr>
+      <p:sp>
+        <p:nvSpPr>
+          <p:cNvPr id="5" name="日期占位符 4"/>
+          <p:cNvSpPr>
+            <a:spLocks noGrp="1"/>
+          </p:cNvSpPr>
+          <p:nvPr>
+            <p:ph type="dt" sz="half" idx="10"/>
+          </p:nvPr>
+        </p:nvSpPr>
+        <p:spPr/>
+        <p:txBody>
+          <a:bodyPr/>
+          <a:lstStyle/>
+          <a:p>
+            <a:fld id="{CB587724-F059-4B95-8B2A-71A8BA72ADB7}" type="datetime9">
+              <a:rPr lang="en-US" altLang="zh-CN" smtClean="0"/>
+              <a:t>9/10/2015 10:03:35 PM</a:t>
+            </a:fld>
+            <a:endParaRPr lang="en-US" dirty="0"/>
+          </a:p>
+        </p:txBody>
+      </p:sp>
+      <p:sp>
+        <p:nvSpPr>
+          <p:cNvPr id="6" name="灯片编号占位符 5"/>
+          <p:cNvSpPr>
+            <a:spLocks noGrp="1"/>
+          </p:cNvSpPr>
+          <p:nvPr>
+            <p:ph type="sldNum" sz="quarter" idx="12"/>
+          </p:nvPr>
+        </p:nvSpPr>
+        <p:spPr/>
+        <p:txBody>
+          <a:bodyPr/>
+          <a:lstStyle/>
+          <a:p>
+            <a:fld id="{6D22F896-40B5-4ADD-8801-0D06FADFA095}" type="slidenum">
+              <a:rPr lang="en-US" smtClean="0"/>
+              <a:t>15</a:t>
+            </a:fld>
+            <a:endParaRPr lang="en-US" dirty="0"/>
+          </a:p>
+        </p:txBody>
+      </p:sp>
+      <p:sp>
+        <p:nvSpPr>
+          <p:cNvPr id="4" name="矩形 3"/>
+          <p:cNvSpPr/>
+          <p:nvPr/>
+        </p:nvSpPr>
+        <p:spPr>
+          <a:xfrm>
+            <a:off x="4618672" y="2967335"/>
+            <a:ext cx="2954656" cy="923330"/>
+          </a:xfrm>
+          <a:prstGeom prst="rect">
+            <a:avLst/>
+          </a:prstGeom>
+          <a:noFill/>
+        </p:spPr>
+        <p:txBody>
+          <a:bodyPr wrap="none" lIns="91440" tIns="45720" rIns="91440" bIns="45720">
+            <a:spAutoFit/>
+          </a:bodyPr>
+          <a:lstStyle/>
+          <a:p>
+            <a:pPr algn="ctr"/>
+            <a:r>
+              <a:rPr lang="zh-CN" altLang="en-US" sz="5400" b="1" spc="50" dirty="0" smtClean="0">
+                <a:ln w="9525" cmpd="sng">
+                  <a:solidFill>
+                    <a:schemeClr val="accent1"/>
+                  </a:solidFill>
+                  <a:prstDash val="solid"/>
+                </a:ln>
+                <a:solidFill>
+                  <a:srgbClr val="70AD47">
+                    <a:tint val="1000"/>
+                  </a:srgbClr>
+                </a:solidFill>
+                <a:effectLst>
+                  <a:glow rad="38100">
+                    <a:schemeClr val="accent1">
+                      <a:alpha val="40000"/>
+                    </a:schemeClr>
+                  </a:glow>
+                </a:effectLst>
+              </a:rPr>
+              <a:t>谢谢！！</a:t>
+            </a:r>
+            <a:endParaRPr lang="zh-CN" altLang="en-US" sz="5400" b="1" spc="50" dirty="0">
+              <a:ln w="9525" cmpd="sng">
+                <a:solidFill>
+                  <a:schemeClr val="accent1"/>
+                </a:solidFill>
+                <a:prstDash val="solid"/>
+              </a:ln>
+              <a:solidFill>
+                <a:srgbClr val="70AD47">
+                  <a:tint val="1000"/>
+                </a:srgbClr>
+              </a:solidFill>
+              <a:effectLst>
+                <a:glow rad="38100">
+                  <a:schemeClr val="accent1">
+                    <a:alpha val="40000"/>
+                  </a:schemeClr>
+                </a:glow>
+              </a:effectLst>
+            </a:endParaRPr>
+          </a:p>
+        </p:txBody>
+      </p:sp>
+    </p:spTree>
+    <p:extLst>
+      <p:ext uri="{BB962C8B-B14F-4D97-AF65-F5344CB8AC3E}">
+        <p14:creationId xmlns:p14="http://schemas.microsoft.com/office/powerpoint/2010/main" val="2557634329"/>
+      </p:ext>
+    </p:extLst>
+  </p:cSld>
+  <p:clrMapOvr>
+    <a:masterClrMapping/>
+  </p:clrMapOvr>
+  <mc:AlternateContent xmlns:mc="http://schemas.openxmlformats.org/markup-compatibility/2006">
+    <mc:Choice xmlns:p14="http://schemas.microsoft.com/office/powerpoint/2010/main" Requires="p14">
+      <p:transition spd="med" p14:dur="700">
+        <p:fade/>
+      </p:transition>
+    </mc:Choice>
+    <mc:Fallback>
+      <p:transition spd="med">
+        <p:fade/>
+      </p:transition>
+    </mc:Fallback>
+  </mc:AlternateContent>
+  <p:timing>
+    <p:tnLst>
+      <p:par>
+        <p:cTn id="1" dur="indefinite" restart="never" nodeType="tmRoot">
+          <p:childTnLst>
+            <p:seq concurrent="1" nextAc="seek">
+              <p:cTn id="2" dur="indefinite" nodeType="mainSeq">
+                <p:childTnLst>
+                  <p:par>
+                    <p:cTn id="3" fill="hold">
+                      <p:stCondLst>
+                        <p:cond delay="indefinite"/>
+                        <p:cond evt="onBegin" delay="0">
+                          <p:tn val="2"/>
+                        </p:cond>
+                      </p:stCondLst>
+                      <p:childTnLst>
+                        <p:par>
+                          <p:cTn id="4" fill="hold">
+                            <p:stCondLst>
+                              <p:cond delay="0"/>
+                            </p:stCondLst>
+                            <p:childTnLst>
+                              <p:par>
+                                <p:cTn id="5" presetID="53" presetClass="entr" presetSubtype="16" fill="hold" grpId="0" nodeType="withEffect">
+                                  <p:stCondLst>
+                                    <p:cond delay="0"/>
+                                  </p:stCondLst>
+                                  <p:childTnLst>
+                                    <p:set>
+                                      <p:cBhvr>
+                                        <p:cTn id="6" dur="1" fill="hold">
+                                          <p:stCondLst>
+                                            <p:cond delay="0"/>
+                                          </p:stCondLst>
+                                        </p:cTn>
+                                        <p:tgtEl>
+                                          <p:spTgt spid="4"/>
+                                        </p:tgtEl>
+                                        <p:attrNameLst>
+                                          <p:attrName>style.visibility</p:attrName>
+                                        </p:attrNameLst>
+                                      </p:cBhvr>
+                                      <p:to>
+                                        <p:strVal val="visible"/>
+                                      </p:to>
+                                    </p:set>
+                                    <p:anim calcmode="lin" valueType="num">
+                                      <p:cBhvr>
+                                        <p:cTn id="7" dur="500" fill="hold"/>
+                                        <p:tgtEl>
+                                          <p:spTgt spid="4"/>
+                                        </p:tgtEl>
+                                        <p:attrNameLst>
+                                          <p:attrName>ppt_w</p:attrName>
+                                        </p:attrNameLst>
+                                      </p:cBhvr>
+                                      <p:tavLst>
+                                        <p:tav tm="0">
+                                          <p:val>
+                                            <p:fltVal val="0"/>
+                                          </p:val>
+                                        </p:tav>
+                                        <p:tav tm="100000">
+                                          <p:val>
+                                            <p:strVal val="#ppt_w"/>
+                                          </p:val>
+                                        </p:tav>
+                                      </p:tavLst>
+                                    </p:anim>
+                                    <p:anim calcmode="lin" valueType="num">
+                                      <p:cBhvr>
+                                        <p:cTn id="8" dur="500" fill="hold"/>
+                                        <p:tgtEl>
+                                          <p:spTgt spid="4"/>
+                                        </p:tgtEl>
+                                        <p:attrNameLst>
+                                          <p:attrName>ppt_h</p:attrName>
+                                        </p:attrNameLst>
+                                      </p:cBhvr>
+                                      <p:tavLst>
+                                        <p:tav tm="0">
+                                          <p:val>
+                                            <p:fltVal val="0"/>
+                                          </p:val>
+                                        </p:tav>
+                                        <p:tav tm="100000">
+                                          <p:val>
+                                            <p:strVal val="#ppt_h"/>
+                                          </p:val>
+                                        </p:tav>
+                                      </p:tavLst>
+                                    </p:anim>
+                                    <p:animEffect transition="in" filter="fade">
+                                      <p:cBhvr>
+                                        <p:cTn id="9" dur="500"/>
+                                        <p:tgtEl>
+                                          <p:spTgt spid="4"/>
+                                        </p:tgtEl>
+                                      </p:cBhvr>
+                                    </p:animEffect>
+                                  </p:childTnLst>
+                                </p:cTn>
+                              </p:par>
+                            </p:childTnLst>
+                          </p:cTn>
+                        </p:par>
+                      </p:childTnLst>
+                    </p:cTn>
+                  </p:par>
+                </p:childTnLst>
+              </p:cTn>
+              <p:prevCondLst>
+                <p:cond evt="onPrev" delay="0">
+                  <p:tgtEl>
+                    <p:sldTgt/>
+                  </p:tgtEl>
+                </p:cond>
+              </p:prevCondLst>
+              <p:nextCondLst>
+                <p:cond evt="onNext" delay="0">
+                  <p:tgtEl>
+                    <p:sldTgt/>
+                  </p:tgtEl>
+                </p:cond>
+              </p:nextCondLst>
+            </p:seq>
+          </p:childTnLst>
+        </p:cTn>
+      </p:par>
+    </p:tnLst>
+    <p:bldLst>
+      <p:bldP spid="4" grpId="0"/>
+    </p:bldLst>
+  </p:timing>
 </p:sld>
 </file>
 
@@ -6734,93 +8256,548 @@
             <a:spLocks noGrp="1"/>
           </p:cNvSpPr>
           <p:nvPr>
-            <p:ph type="title"/>
-          </p:nvPr>
-        </p:nvSpPr>
-        <p:spPr/>
+            <p:ph type="ctrTitle"/>
+          </p:nvPr>
+        </p:nvSpPr>
+        <p:spPr>
+          <a:xfrm>
+            <a:off x="714824" y="239072"/>
+            <a:ext cx="5114521" cy="1641490"/>
+          </a:xfrm>
+        </p:spPr>
         <p:txBody>
           <a:bodyPr/>
           <a:lstStyle/>
           <a:p>
+            <a:r>
+              <a:rPr lang="zh-CN" altLang="en-US" dirty="0" smtClean="0"/>
+              <a:t>实习答辩</a:t>
+            </a:r>
             <a:endParaRPr lang="zh-CN" altLang="en-US" dirty="0"/>
           </a:p>
         </p:txBody>
       </p:sp>
       <p:sp>
         <p:nvSpPr>
-          <p:cNvPr id="3" name="内容占位符 2"/>
-          <p:cNvSpPr>
-            <a:spLocks noGrp="1"/>
-          </p:cNvSpPr>
-          <p:nvPr>
-            <p:ph idx="1"/>
-          </p:nvPr>
-        </p:nvSpPr>
-        <p:spPr/>
-        <p:txBody>
-          <a:bodyPr/>
-          <a:lstStyle/>
-          <a:p>
+          <p:cNvPr id="3" name="副标题 2"/>
+          <p:cNvSpPr>
+            <a:spLocks noGrp="1"/>
+          </p:cNvSpPr>
+          <p:nvPr>
+            <p:ph type="subTitle" idx="1"/>
+          </p:nvPr>
+        </p:nvSpPr>
+        <p:spPr>
+          <a:xfrm>
+            <a:off x="8950817" y="5344732"/>
+            <a:ext cx="2428739" cy="610495"/>
+          </a:xfrm>
+        </p:spPr>
+        <p:txBody>
+          <a:bodyPr>
+            <a:normAutofit/>
+          </a:bodyPr>
+          <a:lstStyle/>
+          <a:p>
+            <a:r>
+              <a:rPr lang="en-US" altLang="zh-CN" dirty="0" smtClean="0"/>
+              <a:t>2015</a:t>
+            </a:r>
+            <a:r>
+              <a:rPr lang="en-US" altLang="zh-CN" dirty="0"/>
+              <a:t>.</a:t>
+            </a:r>
+            <a:r>
+              <a:rPr lang="en-US" altLang="zh-CN" dirty="0" smtClean="0"/>
+              <a:t>09.11</a:t>
+            </a:r>
             <a:endParaRPr lang="zh-CN" altLang="en-US" dirty="0"/>
           </a:p>
         </p:txBody>
       </p:sp>
       <p:sp>
         <p:nvSpPr>
-          <p:cNvPr id="5" name="日期占位符 4"/>
-          <p:cNvSpPr>
-            <a:spLocks noGrp="1"/>
-          </p:cNvSpPr>
-          <p:nvPr>
-            <p:ph type="dt" sz="half" idx="10"/>
-          </p:nvPr>
-        </p:nvSpPr>
-        <p:spPr/>
-        <p:txBody>
-          <a:bodyPr/>
-          <a:lstStyle/>
-          <a:p>
-            <a:fld id="{5EBF2BF7-1C0B-46F0-AA2F-6126860028BF}" type="datetime9">
-              <a:rPr lang="en-US" altLang="zh-CN" smtClean="0"/>
-              <a:t>9/10/2015 9:57:18 PM</a:t>
-            </a:fld>
-            <a:endParaRPr lang="en-US" dirty="0"/>
-          </a:p>
-        </p:txBody>
-      </p:sp>
-      <p:sp>
-        <p:nvSpPr>
-          <p:cNvPr id="6" name="灯片编号占位符 5"/>
-          <p:cNvSpPr>
-            <a:spLocks noGrp="1"/>
-          </p:cNvSpPr>
-          <p:nvPr>
-            <p:ph type="sldNum" sz="quarter" idx="12"/>
-          </p:nvPr>
-        </p:nvSpPr>
-        <p:spPr/>
-        <p:txBody>
-          <a:bodyPr/>
-          <a:lstStyle/>
-          <a:p>
-            <a:fld id="{6D22F896-40B5-4ADD-8801-0D06FADFA095}" type="slidenum">
-              <a:rPr lang="en-US" smtClean="0"/>
-              <a:t>2</a:t>
-            </a:fld>
-            <a:endParaRPr lang="en-US" dirty="0"/>
+          <p:cNvPr id="4" name="副标题 2"/>
+          <p:cNvSpPr txBox="1">
+            <a:spLocks/>
+          </p:cNvSpPr>
+          <p:nvPr/>
+        </p:nvSpPr>
+        <p:spPr>
+          <a:xfrm>
+            <a:off x="10455498" y="6063803"/>
+            <a:ext cx="1269641" cy="610495"/>
+          </a:xfrm>
+          <a:prstGeom prst="rect">
+            <a:avLst/>
+          </a:prstGeom>
+        </p:spPr>
+        <p:txBody>
+          <a:bodyPr vert="horz" lIns="91440" tIns="45720" rIns="91440" bIns="45720" rtlCol="0" anchor="b">
+            <a:normAutofit/>
+          </a:bodyPr>
+          <a:lstStyle>
+            <a:lvl1pPr marL="0" indent="0" algn="r" defTabSz="914400" rtl="0" eaLnBrk="1" latinLnBrk="0" hangingPunct="1">
+              <a:lnSpc>
+                <a:spcPct val="90000"/>
+              </a:lnSpc>
+              <a:spcBef>
+                <a:spcPts val="1000"/>
+              </a:spcBef>
+              <a:buFont typeface="Arial" panose="020B0604020202020204" pitchFamily="34" charset="0"/>
+              <a:buNone/>
+              <a:defRPr sz="3200" b="0" kern="1200">
+                <a:gradFill flip="none" rotWithShape="1">
+                  <a:gsLst>
+                    <a:gs pos="15000">
+                      <a:schemeClr val="tx2"/>
+                    </a:gs>
+                    <a:gs pos="73000">
+                      <a:schemeClr val="tx2">
+                        <a:lumMod val="60000"/>
+                        <a:lumOff val="40000"/>
+                      </a:schemeClr>
+                    </a:gs>
+                    <a:gs pos="0">
+                      <a:schemeClr val="tx2">
+                        <a:lumMod val="90000"/>
+                        <a:lumOff val="10000"/>
+                      </a:schemeClr>
+                    </a:gs>
+                    <a:gs pos="100000">
+                      <a:schemeClr val="tx2">
+                        <a:lumMod val="0"/>
+                        <a:lumOff val="100000"/>
+                      </a:schemeClr>
+                    </a:gs>
+                  </a:gsLst>
+                  <a:lin ang="16200000" scaled="1"/>
+                  <a:tileRect/>
+                </a:gradFill>
+                <a:latin typeface="+mj-lt"/>
+                <a:ea typeface="+mn-ea"/>
+                <a:cs typeface="+mn-cs"/>
+              </a:defRPr>
+            </a:lvl1pPr>
+            <a:lvl2pPr marL="457200" indent="0" algn="ctr" defTabSz="914400" rtl="0" eaLnBrk="1" latinLnBrk="0" hangingPunct="1">
+              <a:lnSpc>
+                <a:spcPct val="90000"/>
+              </a:lnSpc>
+              <a:spcBef>
+                <a:spcPts val="500"/>
+              </a:spcBef>
+              <a:buFont typeface="Arial" panose="020B0604020202020204" pitchFamily="34" charset="0"/>
+              <a:buNone/>
+              <a:defRPr sz="2000" kern="1200">
+                <a:gradFill>
+                  <a:gsLst>
+                    <a:gs pos="34000">
+                      <a:schemeClr val="tx1">
+                        <a:lumMod val="93000"/>
+                      </a:schemeClr>
+                    </a:gs>
+                    <a:gs pos="0">
+                      <a:schemeClr val="bg1">
+                        <a:lumMod val="25000"/>
+                        <a:lumOff val="75000"/>
+                      </a:schemeClr>
+                    </a:gs>
+                    <a:gs pos="100000">
+                      <a:schemeClr val="tx2">
+                        <a:lumMod val="0"/>
+                        <a:lumOff val="100000"/>
+                      </a:schemeClr>
+                    </a:gs>
+                  </a:gsLst>
+                  <a:lin ang="4800000" scaled="0"/>
+                </a:gradFill>
+                <a:latin typeface="+mn-lt"/>
+                <a:ea typeface="+mn-ea"/>
+                <a:cs typeface="+mn-cs"/>
+              </a:defRPr>
+            </a:lvl2pPr>
+            <a:lvl3pPr marL="914400" indent="0" algn="ctr" defTabSz="914400" rtl="0" eaLnBrk="1" latinLnBrk="0" hangingPunct="1">
+              <a:lnSpc>
+                <a:spcPct val="90000"/>
+              </a:lnSpc>
+              <a:spcBef>
+                <a:spcPts val="500"/>
+              </a:spcBef>
+              <a:buFont typeface="Arial" panose="020B0604020202020204" pitchFamily="34" charset="0"/>
+              <a:buNone/>
+              <a:defRPr sz="1800" kern="1200">
+                <a:gradFill>
+                  <a:gsLst>
+                    <a:gs pos="34000">
+                      <a:schemeClr val="tx1">
+                        <a:lumMod val="93000"/>
+                      </a:schemeClr>
+                    </a:gs>
+                    <a:gs pos="0">
+                      <a:schemeClr val="bg1">
+                        <a:lumMod val="25000"/>
+                        <a:lumOff val="75000"/>
+                      </a:schemeClr>
+                    </a:gs>
+                    <a:gs pos="100000">
+                      <a:schemeClr val="tx2">
+                        <a:lumMod val="0"/>
+                        <a:lumOff val="100000"/>
+                      </a:schemeClr>
+                    </a:gs>
+                  </a:gsLst>
+                  <a:lin ang="4800000" scaled="0"/>
+                </a:gradFill>
+                <a:latin typeface="+mn-lt"/>
+                <a:ea typeface="+mn-ea"/>
+                <a:cs typeface="+mn-cs"/>
+              </a:defRPr>
+            </a:lvl3pPr>
+            <a:lvl4pPr marL="1371600" indent="0" algn="ctr" defTabSz="914400" rtl="0" eaLnBrk="1" latinLnBrk="0" hangingPunct="1">
+              <a:lnSpc>
+                <a:spcPct val="90000"/>
+              </a:lnSpc>
+              <a:spcBef>
+                <a:spcPts val="500"/>
+              </a:spcBef>
+              <a:buFont typeface="Arial" panose="020B0604020202020204" pitchFamily="34" charset="0"/>
+              <a:buNone/>
+              <a:defRPr sz="1600" kern="1200">
+                <a:gradFill>
+                  <a:gsLst>
+                    <a:gs pos="34000">
+                      <a:schemeClr val="tx1">
+                        <a:lumMod val="93000"/>
+                      </a:schemeClr>
+                    </a:gs>
+                    <a:gs pos="0">
+                      <a:schemeClr val="bg1">
+                        <a:lumMod val="25000"/>
+                        <a:lumOff val="75000"/>
+                      </a:schemeClr>
+                    </a:gs>
+                    <a:gs pos="100000">
+                      <a:schemeClr val="tx2">
+                        <a:lumMod val="0"/>
+                        <a:lumOff val="100000"/>
+                      </a:schemeClr>
+                    </a:gs>
+                  </a:gsLst>
+                  <a:lin ang="4800000" scaled="0"/>
+                </a:gradFill>
+                <a:latin typeface="+mn-lt"/>
+                <a:ea typeface="+mn-ea"/>
+                <a:cs typeface="+mn-cs"/>
+              </a:defRPr>
+            </a:lvl4pPr>
+            <a:lvl5pPr marL="1828800" indent="0" algn="ctr" defTabSz="914400" rtl="0" eaLnBrk="1" latinLnBrk="0" hangingPunct="1">
+              <a:lnSpc>
+                <a:spcPct val="90000"/>
+              </a:lnSpc>
+              <a:spcBef>
+                <a:spcPts val="500"/>
+              </a:spcBef>
+              <a:buFont typeface="Arial" panose="020B0604020202020204" pitchFamily="34" charset="0"/>
+              <a:buNone/>
+              <a:defRPr sz="1600" kern="1200">
+                <a:gradFill>
+                  <a:gsLst>
+                    <a:gs pos="34000">
+                      <a:schemeClr val="tx1">
+                        <a:lumMod val="93000"/>
+                      </a:schemeClr>
+                    </a:gs>
+                    <a:gs pos="0">
+                      <a:schemeClr val="bg1">
+                        <a:lumMod val="25000"/>
+                        <a:lumOff val="75000"/>
+                      </a:schemeClr>
+                    </a:gs>
+                    <a:gs pos="100000">
+                      <a:schemeClr val="tx2">
+                        <a:lumMod val="0"/>
+                        <a:lumOff val="100000"/>
+                      </a:schemeClr>
+                    </a:gs>
+                  </a:gsLst>
+                  <a:lin ang="4800000" scaled="0"/>
+                </a:gradFill>
+                <a:latin typeface="+mn-lt"/>
+                <a:ea typeface="+mn-ea"/>
+                <a:cs typeface="+mn-cs"/>
+              </a:defRPr>
+            </a:lvl5pPr>
+            <a:lvl6pPr marL="2286000" indent="0" algn="ctr" defTabSz="914400" rtl="0" eaLnBrk="1" latinLnBrk="0" hangingPunct="1">
+              <a:lnSpc>
+                <a:spcPct val="90000"/>
+              </a:lnSpc>
+              <a:spcBef>
+                <a:spcPts val="500"/>
+              </a:spcBef>
+              <a:buFont typeface="Arial" panose="020B0604020202020204" pitchFamily="34" charset="0"/>
+              <a:buNone/>
+              <a:defRPr sz="1600" kern="1200">
+                <a:solidFill>
+                  <a:schemeClr val="tx1"/>
+                </a:solidFill>
+                <a:latin typeface="+mn-lt"/>
+                <a:ea typeface="+mn-ea"/>
+                <a:cs typeface="+mn-cs"/>
+              </a:defRPr>
+            </a:lvl6pPr>
+            <a:lvl7pPr marL="2743200" indent="0" algn="ctr" defTabSz="914400" rtl="0" eaLnBrk="1" latinLnBrk="0" hangingPunct="1">
+              <a:lnSpc>
+                <a:spcPct val="90000"/>
+              </a:lnSpc>
+              <a:spcBef>
+                <a:spcPts val="500"/>
+              </a:spcBef>
+              <a:buFont typeface="Arial" panose="020B0604020202020204" pitchFamily="34" charset="0"/>
+              <a:buNone/>
+              <a:defRPr sz="1600" kern="1200">
+                <a:solidFill>
+                  <a:schemeClr val="tx1"/>
+                </a:solidFill>
+                <a:latin typeface="+mn-lt"/>
+                <a:ea typeface="+mn-ea"/>
+                <a:cs typeface="+mn-cs"/>
+              </a:defRPr>
+            </a:lvl7pPr>
+            <a:lvl8pPr marL="3200400" indent="0" algn="ctr" defTabSz="914400" rtl="0" eaLnBrk="1" latinLnBrk="0" hangingPunct="1">
+              <a:lnSpc>
+                <a:spcPct val="90000"/>
+              </a:lnSpc>
+              <a:spcBef>
+                <a:spcPts val="500"/>
+              </a:spcBef>
+              <a:buFont typeface="Arial" panose="020B0604020202020204" pitchFamily="34" charset="0"/>
+              <a:buNone/>
+              <a:defRPr sz="1600" kern="1200">
+                <a:solidFill>
+                  <a:schemeClr val="tx1"/>
+                </a:solidFill>
+                <a:latin typeface="+mn-lt"/>
+                <a:ea typeface="+mn-ea"/>
+                <a:cs typeface="+mn-cs"/>
+              </a:defRPr>
+            </a:lvl8pPr>
+            <a:lvl9pPr marL="3657600" indent="0" algn="ctr" defTabSz="914400" rtl="0" eaLnBrk="1" latinLnBrk="0" hangingPunct="1">
+              <a:lnSpc>
+                <a:spcPct val="90000"/>
+              </a:lnSpc>
+              <a:spcBef>
+                <a:spcPts val="500"/>
+              </a:spcBef>
+              <a:buFont typeface="Arial" panose="020B0604020202020204" pitchFamily="34" charset="0"/>
+              <a:buNone/>
+              <a:defRPr sz="1600" kern="1200">
+                <a:solidFill>
+                  <a:schemeClr val="tx1"/>
+                </a:solidFill>
+                <a:latin typeface="+mn-lt"/>
+                <a:ea typeface="+mn-ea"/>
+                <a:cs typeface="+mn-cs"/>
+              </a:defRPr>
+            </a:lvl9pPr>
+          </a:lstStyle>
+          <a:p>
+            <a:r>
+              <a:rPr lang="zh-CN" altLang="en-US" smtClean="0"/>
+              <a:t>代振</a:t>
+            </a:r>
+            <a:endParaRPr lang="zh-CN" altLang="en-US" dirty="0"/>
+          </a:p>
+        </p:txBody>
+      </p:sp>
+      <p:sp>
+        <p:nvSpPr>
+          <p:cNvPr id="6" name="标题 1"/>
+          <p:cNvSpPr txBox="1">
+            <a:spLocks/>
+          </p:cNvSpPr>
+          <p:nvPr/>
+        </p:nvSpPr>
+        <p:spPr>
+          <a:xfrm>
+            <a:off x="914400" y="2337763"/>
+            <a:ext cx="3540368" cy="1325563"/>
+          </a:xfrm>
+          <a:prstGeom prst="rect">
+            <a:avLst/>
+          </a:prstGeom>
+        </p:spPr>
+        <p:txBody>
+          <a:bodyPr vert="horz" wrap="none" lIns="91440" tIns="45720" rIns="91440" bIns="45720" rtlCol="0" anchor="t">
+            <a:normAutofit/>
+          </a:bodyPr>
+          <a:lstStyle>
+            <a:lvl1pPr algn="r" defTabSz="914400" rtl="0" eaLnBrk="1" latinLnBrk="0" hangingPunct="1">
+              <a:lnSpc>
+                <a:spcPct val="90000"/>
+              </a:lnSpc>
+              <a:spcBef>
+                <a:spcPct val="0"/>
+              </a:spcBef>
+              <a:buNone/>
+              <a:defRPr sz="9600" b="0" kern="1200" spc="-300">
+                <a:gradFill flip="none" rotWithShape="1">
+                  <a:gsLst>
+                    <a:gs pos="32000">
+                      <a:schemeClr val="tx1">
+                        <a:lumMod val="89000"/>
+                      </a:schemeClr>
+                    </a:gs>
+                    <a:gs pos="0">
+                      <a:schemeClr val="bg1">
+                        <a:lumMod val="41000"/>
+                        <a:lumOff val="59000"/>
+                      </a:schemeClr>
+                    </a:gs>
+                    <a:gs pos="100000">
+                      <a:schemeClr val="tx2">
+                        <a:lumMod val="0"/>
+                        <a:lumOff val="100000"/>
+                      </a:schemeClr>
+                    </a:gs>
+                  </a:gsLst>
+                  <a:lin ang="8100000" scaled="1"/>
+                  <a:tileRect/>
+                </a:gradFill>
+                <a:effectLst>
+                  <a:outerShdw blurRad="469900" dist="342900" dir="5400000" sy="-20000" rotWithShape="0">
+                    <a:prstClr val="black">
+                      <a:alpha val="66000"/>
+                    </a:prstClr>
+                  </a:outerShdw>
+                </a:effectLst>
+                <a:latin typeface="+mj-lt"/>
+                <a:ea typeface="+mj-ea"/>
+                <a:cs typeface="+mj-cs"/>
+              </a:defRPr>
+            </a:lvl1pPr>
+          </a:lstStyle>
+          <a:p>
+            <a:pPr marL="857250" indent="-857250">
+              <a:buFont typeface="Wingdings" panose="05000000000000000000" pitchFamily="2" charset="2"/>
+              <a:buChar char="l"/>
+            </a:pPr>
+            <a:r>
+              <a:rPr lang="zh-CN" altLang="en-US" sz="6000" dirty="0" smtClean="0"/>
+              <a:t>业务收获</a:t>
+            </a:r>
+            <a:endParaRPr lang="zh-CN" altLang="en-US" sz="6000" dirty="0"/>
+          </a:p>
+        </p:txBody>
+      </p:sp>
+      <p:sp>
+        <p:nvSpPr>
+          <p:cNvPr id="7" name="标题 1"/>
+          <p:cNvSpPr txBox="1">
+            <a:spLocks/>
+          </p:cNvSpPr>
+          <p:nvPr/>
+        </p:nvSpPr>
+        <p:spPr>
+          <a:xfrm>
+            <a:off x="914400" y="4019169"/>
+            <a:ext cx="3540368" cy="1325563"/>
+          </a:xfrm>
+          <a:prstGeom prst="rect">
+            <a:avLst/>
+          </a:prstGeom>
+        </p:spPr>
+        <p:txBody>
+          <a:bodyPr vert="horz" wrap="none" lIns="91440" tIns="45720" rIns="91440" bIns="45720" rtlCol="0" anchor="t">
+            <a:normAutofit/>
+          </a:bodyPr>
+          <a:lstStyle>
+            <a:lvl1pPr algn="r" defTabSz="914400" rtl="0" eaLnBrk="1" latinLnBrk="0" hangingPunct="1">
+              <a:lnSpc>
+                <a:spcPct val="90000"/>
+              </a:lnSpc>
+              <a:spcBef>
+                <a:spcPct val="0"/>
+              </a:spcBef>
+              <a:buNone/>
+              <a:defRPr sz="9600" b="0" kern="1200" spc="-300">
+                <a:gradFill flip="none" rotWithShape="1">
+                  <a:gsLst>
+                    <a:gs pos="32000">
+                      <a:schemeClr val="tx1">
+                        <a:lumMod val="89000"/>
+                      </a:schemeClr>
+                    </a:gs>
+                    <a:gs pos="0">
+                      <a:schemeClr val="bg1">
+                        <a:lumMod val="41000"/>
+                        <a:lumOff val="59000"/>
+                      </a:schemeClr>
+                    </a:gs>
+                    <a:gs pos="100000">
+                      <a:schemeClr val="tx2">
+                        <a:lumMod val="0"/>
+                        <a:lumOff val="100000"/>
+                      </a:schemeClr>
+                    </a:gs>
+                  </a:gsLst>
+                  <a:lin ang="8100000" scaled="1"/>
+                  <a:tileRect/>
+                </a:gradFill>
+                <a:effectLst>
+                  <a:outerShdw blurRad="469900" dist="342900" dir="5400000" sy="-20000" rotWithShape="0">
+                    <a:prstClr val="black">
+                      <a:alpha val="66000"/>
+                    </a:prstClr>
+                  </a:outerShdw>
+                </a:effectLst>
+                <a:latin typeface="+mj-lt"/>
+                <a:ea typeface="+mj-ea"/>
+                <a:cs typeface="+mj-cs"/>
+              </a:defRPr>
+            </a:lvl1pPr>
+          </a:lstStyle>
+          <a:p>
+            <a:pPr marL="857250" indent="-857250">
+              <a:buFont typeface="Wingdings" panose="05000000000000000000" pitchFamily="2" charset="2"/>
+              <a:buChar char="l"/>
+            </a:pPr>
+            <a:r>
+              <a:rPr lang="zh-CN" altLang="en-US" sz="6000" dirty="0" smtClean="0"/>
+              <a:t>技术成长</a:t>
+            </a:r>
+            <a:endParaRPr lang="zh-CN" altLang="en-US" sz="6000" dirty="0"/>
           </a:p>
         </p:txBody>
       </p:sp>
     </p:spTree>
     <p:extLst>
       <p:ext uri="{BB962C8B-B14F-4D97-AF65-F5344CB8AC3E}">
-        <p14:creationId xmlns:p14="http://schemas.microsoft.com/office/powerpoint/2010/main" val="1251313073"/>
+        <p14:creationId xmlns:p14="http://schemas.microsoft.com/office/powerpoint/2010/main" val="1800998520"/>
       </p:ext>
     </p:extLst>
   </p:cSld>
   <p:clrMapOvr>
     <a:masterClrMapping/>
   </p:clrMapOvr>
+  <mc:AlternateContent xmlns:mc="http://schemas.openxmlformats.org/markup-compatibility/2006">
+    <mc:Choice xmlns:p14="http://schemas.microsoft.com/office/powerpoint/2010/main" Requires="p14">
+      <p:transition spd="med" p14:dur="700">
+        <p:fade/>
+      </p:transition>
+    </mc:Choice>
+    <mc:Fallback>
+      <p:transition spd="med">
+        <p:fade/>
+      </p:transition>
+    </mc:Fallback>
+  </mc:AlternateContent>
+  <p:timing>
+    <p:tnLst>
+      <p:par>
+        <p:cTn id="1" dur="indefinite" restart="never" nodeType="tmRoot"/>
+      </p:par>
+    </p:tnLst>
+  </p:timing>
 </p:sld>
 </file>
 
@@ -6856,18 +8833,22 @@
           <a:bodyPr/>
           <a:lstStyle/>
           <a:p>
+            <a:r>
+              <a:rPr lang="zh-CN" altLang="en-US" dirty="0" smtClean="0"/>
+              <a:t>业务收获</a:t>
+            </a:r>
             <a:endParaRPr lang="zh-CN" altLang="en-US" dirty="0"/>
           </a:p>
         </p:txBody>
       </p:sp>
       <p:sp>
         <p:nvSpPr>
-          <p:cNvPr id="3" name="内容占位符 2"/>
-          <p:cNvSpPr>
-            <a:spLocks noGrp="1"/>
-          </p:cNvSpPr>
-          <p:nvPr>
-            <p:ph idx="1"/>
+          <p:cNvPr id="5" name="日期占位符 4"/>
+          <p:cNvSpPr>
+            <a:spLocks noGrp="1"/>
+          </p:cNvSpPr>
+          <p:nvPr>
+            <p:ph type="dt" sz="half" idx="10"/>
           </p:nvPr>
         </p:nvSpPr>
         <p:spPr/>
@@ -6875,28 +8856,9 @@
           <a:bodyPr/>
           <a:lstStyle/>
           <a:p>
-            <a:endParaRPr lang="zh-CN" altLang="en-US"/>
-          </a:p>
-        </p:txBody>
-      </p:sp>
-      <p:sp>
-        <p:nvSpPr>
-          <p:cNvPr id="5" name="日期占位符 4"/>
-          <p:cNvSpPr>
-            <a:spLocks noGrp="1"/>
-          </p:cNvSpPr>
-          <p:nvPr>
-            <p:ph type="dt" sz="half" idx="10"/>
-          </p:nvPr>
-        </p:nvSpPr>
-        <p:spPr/>
-        <p:txBody>
-          <a:bodyPr/>
-          <a:lstStyle/>
-          <a:p>
-            <a:fld id="{CB587724-F059-4B95-8B2A-71A8BA72ADB7}" type="datetime9">
+            <a:fld id="{5EBF2BF7-1C0B-46F0-AA2F-6126860028BF}" type="datetime9">
               <a:rPr lang="en-US" altLang="zh-CN" smtClean="0"/>
-              <a:t>9/10/2015 9:57:18 PM</a:t>
+              <a:t>9/10/2015 10:42:26 PM</a:t>
             </a:fld>
             <a:endParaRPr lang="en-US" dirty="0"/>
           </a:p>
@@ -6925,16 +8887,1971 @@
           </a:p>
         </p:txBody>
       </p:sp>
+      <p:sp>
+        <p:nvSpPr>
+          <p:cNvPr id="4" name="文本框 3"/>
+          <p:cNvSpPr txBox="1"/>
+          <p:nvPr/>
+        </p:nvSpPr>
+        <p:spPr>
+          <a:xfrm>
+            <a:off x="838200" y="1690688"/>
+            <a:ext cx="1847070" cy="369332"/>
+          </a:xfrm>
+          <a:prstGeom prst="rect">
+            <a:avLst/>
+          </a:prstGeom>
+          <a:noFill/>
+        </p:spPr>
+        <p:txBody>
+          <a:bodyPr wrap="square" rtlCol="0">
+            <a:spAutoFit/>
+          </a:bodyPr>
+          <a:lstStyle/>
+          <a:p>
+            <a:pPr marL="285750" indent="-285750">
+              <a:buFont typeface="Wingdings" panose="05000000000000000000" pitchFamily="2" charset="2"/>
+              <a:buChar char="l"/>
+            </a:pPr>
+            <a:r>
+              <a:rPr lang="zh-CN" altLang="en-US" dirty="0" smtClean="0"/>
+              <a:t>七夕嘉年华</a:t>
+            </a:r>
+            <a:endParaRPr lang="zh-CN" altLang="en-US" dirty="0"/>
+          </a:p>
+        </p:txBody>
+      </p:sp>
+      <p:pic>
+        <p:nvPicPr>
+          <p:cNvPr id="7" name="图片 6"/>
+          <p:cNvPicPr>
+            <a:picLocks noChangeAspect="1"/>
+          </p:cNvPicPr>
+          <p:nvPr/>
+        </p:nvPicPr>
+        <p:blipFill>
+          <a:blip r:embed="rId2">
+            <a:extLst>
+              <a:ext uri="{28A0092B-C50C-407E-A947-70E740481C1C}">
+                <a14:useLocalDpi xmlns:a14="http://schemas.microsoft.com/office/drawing/2010/main" val="0"/>
+              </a:ext>
+            </a:extLst>
+          </a:blip>
+          <a:stretch>
+            <a:fillRect/>
+          </a:stretch>
+        </p:blipFill>
+        <p:spPr>
+          <a:xfrm>
+            <a:off x="838200" y="2306495"/>
+            <a:ext cx="2139401" cy="3803380"/>
+          </a:xfrm>
+          <a:prstGeom prst="rect">
+            <a:avLst/>
+          </a:prstGeom>
+          <a:ln>
+            <a:noFill/>
+          </a:ln>
+          <a:effectLst>
+            <a:outerShdw blurRad="292100" dist="139700" dir="2700000" algn="tl" rotWithShape="0">
+              <a:srgbClr val="333333">
+                <a:alpha val="65000"/>
+              </a:srgbClr>
+            </a:outerShdw>
+          </a:effectLst>
+        </p:spPr>
+      </p:pic>
+      <p:pic>
+        <p:nvPicPr>
+          <p:cNvPr id="8" name="图片 7"/>
+          <p:cNvPicPr>
+            <a:picLocks noChangeAspect="1"/>
+          </p:cNvPicPr>
+          <p:nvPr/>
+        </p:nvPicPr>
+        <p:blipFill>
+          <a:blip r:embed="rId3">
+            <a:extLst>
+              <a:ext uri="{28A0092B-C50C-407E-A947-70E740481C1C}">
+                <a14:useLocalDpi xmlns:a14="http://schemas.microsoft.com/office/drawing/2010/main" val="0"/>
+              </a:ext>
+            </a:extLst>
+          </a:blip>
+          <a:stretch>
+            <a:fillRect/>
+          </a:stretch>
+        </p:blipFill>
+        <p:spPr>
+          <a:xfrm>
+            <a:off x="4705191" y="3356990"/>
+            <a:ext cx="5277009" cy="2752885"/>
+          </a:xfrm>
+          <a:prstGeom prst="rect">
+            <a:avLst/>
+          </a:prstGeom>
+          <a:ln>
+            <a:noFill/>
+          </a:ln>
+          <a:effectLst>
+            <a:outerShdw blurRad="292100" dist="139700" dir="2700000" algn="tl" rotWithShape="0">
+              <a:srgbClr val="333333">
+                <a:alpha val="65000"/>
+              </a:srgbClr>
+            </a:outerShdw>
+          </a:effectLst>
+        </p:spPr>
+      </p:pic>
+      <p:sp>
+        <p:nvSpPr>
+          <p:cNvPr id="9" name="文本框 8"/>
+          <p:cNvSpPr txBox="1"/>
+          <p:nvPr/>
+        </p:nvSpPr>
+        <p:spPr>
+          <a:xfrm>
+            <a:off x="4705191" y="1690688"/>
+            <a:ext cx="7199594" cy="1200329"/>
+          </a:xfrm>
+          <a:prstGeom prst="rect">
+            <a:avLst/>
+          </a:prstGeom>
+          <a:noFill/>
+        </p:spPr>
+        <p:txBody>
+          <a:bodyPr wrap="square" rtlCol="0">
+            <a:spAutoFit/>
+          </a:bodyPr>
+          <a:lstStyle/>
+          <a:p>
+            <a:pPr marL="285750" indent="-285750">
+              <a:buFont typeface="Arial" panose="020B0604020202020204" pitchFamily="34" charset="0"/>
+              <a:buChar char="•"/>
+            </a:pPr>
+            <a:r>
+              <a:rPr lang="zh-CN" altLang="en-US" dirty="0" smtClean="0"/>
+              <a:t>第一个项目</a:t>
+            </a:r>
+            <a:endParaRPr lang="en-US" altLang="zh-CN" dirty="0" smtClean="0"/>
+          </a:p>
+          <a:p>
+            <a:pPr marL="285750" indent="-285750">
+              <a:buFont typeface="Arial" panose="020B0604020202020204" pitchFamily="34" charset="0"/>
+              <a:buChar char="•"/>
+            </a:pPr>
+            <a:r>
+              <a:rPr lang="zh-CN" altLang="en-US" dirty="0" smtClean="0"/>
+              <a:t>了解了一个网页产生的过程，</a:t>
+            </a:r>
+            <a:r>
+              <a:rPr lang="en-US" altLang="zh-CN" dirty="0" err="1" smtClean="0"/>
+              <a:t>svn</a:t>
+            </a:r>
+            <a:r>
+              <a:rPr lang="zh-CN" altLang="en-US" dirty="0" smtClean="0"/>
+              <a:t>、</a:t>
+            </a:r>
+            <a:r>
+              <a:rPr lang="en-US" altLang="zh-CN" dirty="0" smtClean="0"/>
+              <a:t>CMS</a:t>
+            </a:r>
+            <a:r>
+              <a:rPr lang="zh-CN" altLang="en-US" dirty="0" smtClean="0"/>
+              <a:t>、</a:t>
+            </a:r>
+            <a:r>
+              <a:rPr lang="en-US" altLang="zh-CN" dirty="0" smtClean="0"/>
+              <a:t>ftp</a:t>
+            </a:r>
+            <a:r>
+              <a:rPr lang="zh-CN" altLang="en-US" dirty="0" smtClean="0"/>
+              <a:t>等工具的使用，尝试动画，踩过坑，了解了上线的流程，了解手机端与</a:t>
+            </a:r>
+            <a:r>
+              <a:rPr lang="en-US" altLang="zh-CN" dirty="0" smtClean="0"/>
+              <a:t>PC</a:t>
+            </a:r>
+            <a:r>
+              <a:rPr lang="zh-CN" altLang="en-US" dirty="0" smtClean="0"/>
+              <a:t>端的差异</a:t>
+            </a:r>
+            <a:endParaRPr lang="en-US" altLang="zh-CN" dirty="0" smtClean="0"/>
+          </a:p>
+          <a:p>
+            <a:pPr marL="285750" indent="-285750">
+              <a:buFont typeface="Arial" panose="020B0604020202020204" pitchFamily="34" charset="0"/>
+              <a:buChar char="•"/>
+            </a:pPr>
+            <a:r>
+              <a:rPr lang="zh-CN" altLang="en-US" dirty="0" smtClean="0"/>
+              <a:t>知道一些知识的欠缺：</a:t>
+            </a:r>
+            <a:r>
+              <a:rPr lang="en-US" altLang="zh-CN" dirty="0" err="1" smtClean="0"/>
+              <a:t>wap</a:t>
+            </a:r>
+            <a:r>
+              <a:rPr lang="zh-CN" altLang="en-US" dirty="0" smtClean="0"/>
+              <a:t>、兼容性等。</a:t>
+            </a:r>
+            <a:endParaRPr lang="zh-CN" altLang="en-US" dirty="0"/>
+          </a:p>
+        </p:txBody>
+      </p:sp>
     </p:spTree>
     <p:extLst>
       <p:ext uri="{BB962C8B-B14F-4D97-AF65-F5344CB8AC3E}">
-        <p14:creationId xmlns:p14="http://schemas.microsoft.com/office/powerpoint/2010/main" val="2557634329"/>
+        <p14:creationId xmlns:p14="http://schemas.microsoft.com/office/powerpoint/2010/main" val="3656325750"/>
       </p:ext>
     </p:extLst>
   </p:cSld>
   <p:clrMapOvr>
     <a:masterClrMapping/>
   </p:clrMapOvr>
+  <mc:AlternateContent xmlns:mc="http://schemas.openxmlformats.org/markup-compatibility/2006">
+    <mc:Choice xmlns:p14="http://schemas.microsoft.com/office/powerpoint/2010/main" Requires="p14">
+      <p:transition spd="med" p14:dur="700">
+        <p:fade/>
+      </p:transition>
+    </mc:Choice>
+    <mc:Fallback>
+      <p:transition spd="med">
+        <p:fade/>
+      </p:transition>
+    </mc:Fallback>
+  </mc:AlternateContent>
+  <p:timing>
+    <p:tnLst>
+      <p:par>
+        <p:cTn id="1" dur="indefinite" restart="never" nodeType="tmRoot"/>
+      </p:par>
+    </p:tnLst>
+  </p:timing>
+</p:sld>
+</file>
+
+<file path=ppt/slides/slide4.xml><?xml version="1.0" encoding="utf-8"?>
+<p:sld xmlns:a="http://schemas.openxmlformats.org/drawingml/2006/main" xmlns:r="http://schemas.openxmlformats.org/officeDocument/2006/relationships" xmlns:p="http://schemas.openxmlformats.org/presentationml/2006/main">
+  <p:cSld>
+    <p:spTree>
+      <p:nvGrpSpPr>
+        <p:cNvPr id="1" name=""/>
+        <p:cNvGrpSpPr/>
+        <p:nvPr/>
+      </p:nvGrpSpPr>
+      <p:grpSpPr>
+        <a:xfrm>
+          <a:off x="0" y="0"/>
+          <a:ext cx="0" cy="0"/>
+          <a:chOff x="0" y="0"/>
+          <a:chExt cx="0" cy="0"/>
+        </a:xfrm>
+      </p:grpSpPr>
+      <p:sp>
+        <p:nvSpPr>
+          <p:cNvPr id="2" name="标题 1"/>
+          <p:cNvSpPr>
+            <a:spLocks noGrp="1"/>
+          </p:cNvSpPr>
+          <p:nvPr>
+            <p:ph type="title"/>
+          </p:nvPr>
+        </p:nvSpPr>
+        <p:spPr/>
+        <p:txBody>
+          <a:bodyPr/>
+          <a:lstStyle/>
+          <a:p>
+            <a:r>
+              <a:rPr lang="zh-CN" altLang="en-US" dirty="0" smtClean="0"/>
+              <a:t>业务收获</a:t>
+            </a:r>
+            <a:endParaRPr lang="zh-CN" altLang="en-US" dirty="0"/>
+          </a:p>
+        </p:txBody>
+      </p:sp>
+      <p:sp>
+        <p:nvSpPr>
+          <p:cNvPr id="5" name="日期占位符 4"/>
+          <p:cNvSpPr>
+            <a:spLocks noGrp="1"/>
+          </p:cNvSpPr>
+          <p:nvPr>
+            <p:ph type="dt" sz="half" idx="10"/>
+          </p:nvPr>
+        </p:nvSpPr>
+        <p:spPr/>
+        <p:txBody>
+          <a:bodyPr/>
+          <a:lstStyle/>
+          <a:p>
+            <a:fld id="{5EBF2BF7-1C0B-46F0-AA2F-6126860028BF}" type="datetime9">
+              <a:rPr lang="en-US" altLang="zh-CN" smtClean="0"/>
+              <a:t>9/10/2015 10:55:43 PM</a:t>
+            </a:fld>
+            <a:endParaRPr lang="en-US" dirty="0"/>
+          </a:p>
+        </p:txBody>
+      </p:sp>
+      <p:sp>
+        <p:nvSpPr>
+          <p:cNvPr id="6" name="灯片编号占位符 5"/>
+          <p:cNvSpPr>
+            <a:spLocks noGrp="1"/>
+          </p:cNvSpPr>
+          <p:nvPr>
+            <p:ph type="sldNum" sz="quarter" idx="12"/>
+          </p:nvPr>
+        </p:nvSpPr>
+        <p:spPr/>
+        <p:txBody>
+          <a:bodyPr/>
+          <a:lstStyle/>
+          <a:p>
+            <a:fld id="{6D22F896-40B5-4ADD-8801-0D06FADFA095}" type="slidenum">
+              <a:rPr lang="en-US" smtClean="0"/>
+              <a:t>4</a:t>
+            </a:fld>
+            <a:endParaRPr lang="en-US" dirty="0"/>
+          </a:p>
+        </p:txBody>
+      </p:sp>
+      <p:sp>
+        <p:nvSpPr>
+          <p:cNvPr id="4" name="文本框 3"/>
+          <p:cNvSpPr txBox="1"/>
+          <p:nvPr/>
+        </p:nvSpPr>
+        <p:spPr>
+          <a:xfrm>
+            <a:off x="838200" y="1690688"/>
+            <a:ext cx="2743200" cy="369332"/>
+          </a:xfrm>
+          <a:prstGeom prst="rect">
+            <a:avLst/>
+          </a:prstGeom>
+          <a:noFill/>
+        </p:spPr>
+        <p:txBody>
+          <a:bodyPr wrap="square" rtlCol="0">
+            <a:spAutoFit/>
+          </a:bodyPr>
+          <a:lstStyle/>
+          <a:p>
+            <a:pPr marL="285750" indent="-285750">
+              <a:buFont typeface="Wingdings" panose="05000000000000000000" pitchFamily="2" charset="2"/>
+              <a:buChar char="l"/>
+            </a:pPr>
+            <a:r>
+              <a:rPr lang="zh-CN" altLang="en-US" dirty="0" smtClean="0"/>
+              <a:t>七夕活动汇总</a:t>
+            </a:r>
+            <a:endParaRPr lang="zh-CN" altLang="en-US" dirty="0"/>
+          </a:p>
+        </p:txBody>
+      </p:sp>
+      <p:pic>
+        <p:nvPicPr>
+          <p:cNvPr id="8" name="图片 7"/>
+          <p:cNvPicPr>
+            <a:picLocks noChangeAspect="1"/>
+          </p:cNvPicPr>
+          <p:nvPr/>
+        </p:nvPicPr>
+        <p:blipFill>
+          <a:blip r:embed="rId2">
+            <a:extLst>
+              <a:ext uri="{28A0092B-C50C-407E-A947-70E740481C1C}">
+                <a14:useLocalDpi xmlns:a14="http://schemas.microsoft.com/office/drawing/2010/main" val="0"/>
+              </a:ext>
+            </a:extLst>
+          </a:blip>
+          <a:stretch>
+            <a:fillRect/>
+          </a:stretch>
+        </p:blipFill>
+        <p:spPr>
+          <a:xfrm>
+            <a:off x="5144334" y="2060020"/>
+            <a:ext cx="6932531" cy="3621623"/>
+          </a:xfrm>
+          <a:prstGeom prst="rect">
+            <a:avLst/>
+          </a:prstGeom>
+          <a:ln>
+            <a:noFill/>
+          </a:ln>
+          <a:effectLst>
+            <a:outerShdw blurRad="292100" dist="139700" dir="2700000" algn="tl" rotWithShape="0">
+              <a:srgbClr val="333333">
+                <a:alpha val="65000"/>
+              </a:srgbClr>
+            </a:outerShdw>
+          </a:effectLst>
+        </p:spPr>
+      </p:pic>
+      <p:sp>
+        <p:nvSpPr>
+          <p:cNvPr id="9" name="文本框 8"/>
+          <p:cNvSpPr txBox="1"/>
+          <p:nvPr/>
+        </p:nvSpPr>
+        <p:spPr>
+          <a:xfrm>
+            <a:off x="1154729" y="2145955"/>
+            <a:ext cx="4173415" cy="923330"/>
+          </a:xfrm>
+          <a:prstGeom prst="rect">
+            <a:avLst/>
+          </a:prstGeom>
+          <a:noFill/>
+        </p:spPr>
+        <p:txBody>
+          <a:bodyPr wrap="square" rtlCol="0">
+            <a:spAutoFit/>
+          </a:bodyPr>
+          <a:lstStyle/>
+          <a:p>
+            <a:pPr marL="400050" indent="-400050">
+              <a:buFont typeface="Arial" panose="020B0604020202020204" pitchFamily="34" charset="0"/>
+              <a:buChar char="•"/>
+            </a:pPr>
+            <a:r>
+              <a:rPr lang="zh-CN" altLang="en-US" dirty="0" smtClean="0"/>
+              <a:t>比较简单</a:t>
+            </a:r>
+            <a:endParaRPr lang="en-US" altLang="zh-CN" dirty="0" smtClean="0"/>
+          </a:p>
+          <a:p>
+            <a:pPr marL="285750" indent="-285750">
+              <a:buFont typeface="Arial" panose="020B0604020202020204" pitchFamily="34" charset="0"/>
+              <a:buChar char="•"/>
+            </a:pPr>
+            <a:r>
+              <a:rPr lang="zh-CN" altLang="en-US" dirty="0" smtClean="0"/>
+              <a:t>多个块的堆叠</a:t>
+            </a:r>
+            <a:r>
+              <a:rPr lang="en-US" altLang="zh-CN" dirty="0" smtClean="0"/>
+              <a:t>+</a:t>
+            </a:r>
+            <a:r>
+              <a:rPr lang="zh-CN" altLang="en-US" dirty="0" smtClean="0"/>
+              <a:t>基本布局</a:t>
+            </a:r>
+            <a:endParaRPr lang="en-US" altLang="zh-CN" dirty="0" smtClean="0"/>
+          </a:p>
+          <a:p>
+            <a:pPr marL="285750" indent="-285750">
+              <a:buFont typeface="Arial" panose="020B0604020202020204" pitchFamily="34" charset="0"/>
+              <a:buChar char="•"/>
+            </a:pPr>
+            <a:r>
+              <a:rPr lang="zh-CN" altLang="en-US" dirty="0" smtClean="0"/>
+              <a:t>难点：时间短，一天完成并上线</a:t>
+            </a:r>
+            <a:endParaRPr lang="zh-CN" altLang="en-US" dirty="0"/>
+          </a:p>
+        </p:txBody>
+      </p:sp>
+    </p:spTree>
+    <p:extLst>
+      <p:ext uri="{BB962C8B-B14F-4D97-AF65-F5344CB8AC3E}">
+        <p14:creationId xmlns:p14="http://schemas.microsoft.com/office/powerpoint/2010/main" val="2723337968"/>
+      </p:ext>
+    </p:extLst>
+  </p:cSld>
+  <p:clrMapOvr>
+    <a:masterClrMapping/>
+  </p:clrMapOvr>
+  <mc:AlternateContent xmlns:mc="http://schemas.openxmlformats.org/markup-compatibility/2006">
+    <mc:Choice xmlns:p14="http://schemas.microsoft.com/office/powerpoint/2010/main" Requires="p14">
+      <p:transition spd="med" p14:dur="700">
+        <p:fade/>
+      </p:transition>
+    </mc:Choice>
+    <mc:Fallback>
+      <p:transition spd="med">
+        <p:fade/>
+      </p:transition>
+    </mc:Fallback>
+  </mc:AlternateContent>
+  <p:timing>
+    <p:tnLst>
+      <p:par>
+        <p:cTn id="1" dur="indefinite" restart="never" nodeType="tmRoot"/>
+      </p:par>
+    </p:tnLst>
+  </p:timing>
+</p:sld>
+</file>
+
+<file path=ppt/slides/slide5.xml><?xml version="1.0" encoding="utf-8"?>
+<p:sld xmlns:a="http://schemas.openxmlformats.org/drawingml/2006/main" xmlns:r="http://schemas.openxmlformats.org/officeDocument/2006/relationships" xmlns:p="http://schemas.openxmlformats.org/presentationml/2006/main">
+  <p:cSld>
+    <p:spTree>
+      <p:nvGrpSpPr>
+        <p:cNvPr id="1" name=""/>
+        <p:cNvGrpSpPr/>
+        <p:nvPr/>
+      </p:nvGrpSpPr>
+      <p:grpSpPr>
+        <a:xfrm>
+          <a:off x="0" y="0"/>
+          <a:ext cx="0" cy="0"/>
+          <a:chOff x="0" y="0"/>
+          <a:chExt cx="0" cy="0"/>
+        </a:xfrm>
+      </p:grpSpPr>
+      <p:sp>
+        <p:nvSpPr>
+          <p:cNvPr id="2" name="标题 1"/>
+          <p:cNvSpPr>
+            <a:spLocks noGrp="1"/>
+          </p:cNvSpPr>
+          <p:nvPr>
+            <p:ph type="title"/>
+          </p:nvPr>
+        </p:nvSpPr>
+        <p:spPr/>
+        <p:txBody>
+          <a:bodyPr/>
+          <a:lstStyle/>
+          <a:p>
+            <a:r>
+              <a:rPr lang="zh-CN" altLang="en-US" dirty="0" smtClean="0"/>
+              <a:t>业务收获</a:t>
+            </a:r>
+            <a:endParaRPr lang="zh-CN" altLang="en-US" dirty="0"/>
+          </a:p>
+        </p:txBody>
+      </p:sp>
+      <p:sp>
+        <p:nvSpPr>
+          <p:cNvPr id="5" name="日期占位符 4"/>
+          <p:cNvSpPr>
+            <a:spLocks noGrp="1"/>
+          </p:cNvSpPr>
+          <p:nvPr>
+            <p:ph type="dt" sz="half" idx="10"/>
+          </p:nvPr>
+        </p:nvSpPr>
+        <p:spPr/>
+        <p:txBody>
+          <a:bodyPr/>
+          <a:lstStyle/>
+          <a:p>
+            <a:fld id="{5EBF2BF7-1C0B-46F0-AA2F-6126860028BF}" type="datetime9">
+              <a:rPr lang="en-US" altLang="zh-CN" smtClean="0"/>
+              <a:t>9/10/2015 10:46:14 PM</a:t>
+            </a:fld>
+            <a:endParaRPr lang="en-US" dirty="0"/>
+          </a:p>
+        </p:txBody>
+      </p:sp>
+      <p:sp>
+        <p:nvSpPr>
+          <p:cNvPr id="6" name="灯片编号占位符 5"/>
+          <p:cNvSpPr>
+            <a:spLocks noGrp="1"/>
+          </p:cNvSpPr>
+          <p:nvPr>
+            <p:ph type="sldNum" sz="quarter" idx="12"/>
+          </p:nvPr>
+        </p:nvSpPr>
+        <p:spPr/>
+        <p:txBody>
+          <a:bodyPr/>
+          <a:lstStyle/>
+          <a:p>
+            <a:fld id="{6D22F896-40B5-4ADD-8801-0D06FADFA095}" type="slidenum">
+              <a:rPr lang="en-US" smtClean="0"/>
+              <a:t>5</a:t>
+            </a:fld>
+            <a:endParaRPr lang="en-US" dirty="0"/>
+          </a:p>
+        </p:txBody>
+      </p:sp>
+      <p:sp>
+        <p:nvSpPr>
+          <p:cNvPr id="4" name="文本框 3"/>
+          <p:cNvSpPr txBox="1"/>
+          <p:nvPr/>
+        </p:nvSpPr>
+        <p:spPr>
+          <a:xfrm>
+            <a:off x="1130532" y="1690688"/>
+            <a:ext cx="1847070" cy="369332"/>
+          </a:xfrm>
+          <a:prstGeom prst="rect">
+            <a:avLst/>
+          </a:prstGeom>
+          <a:noFill/>
+        </p:spPr>
+        <p:txBody>
+          <a:bodyPr wrap="square" rtlCol="0">
+            <a:spAutoFit/>
+          </a:bodyPr>
+          <a:lstStyle/>
+          <a:p>
+            <a:pPr marL="285750" indent="-285750">
+              <a:buFont typeface="Wingdings" panose="05000000000000000000" pitchFamily="2" charset="2"/>
+              <a:buChar char="l"/>
+            </a:pPr>
+            <a:r>
+              <a:rPr lang="zh-CN" altLang="en-US" dirty="0" smtClean="0"/>
+              <a:t>芝麻特权</a:t>
+            </a:r>
+            <a:endParaRPr lang="zh-CN" altLang="en-US" dirty="0"/>
+          </a:p>
+        </p:txBody>
+      </p:sp>
+      <p:pic>
+        <p:nvPicPr>
+          <p:cNvPr id="7" name="图片 6"/>
+          <p:cNvPicPr>
+            <a:picLocks noChangeAspect="1"/>
+          </p:cNvPicPr>
+          <p:nvPr/>
+        </p:nvPicPr>
+        <p:blipFill>
+          <a:blip r:embed="rId2">
+            <a:extLst>
+              <a:ext uri="{28A0092B-C50C-407E-A947-70E740481C1C}">
+                <a14:useLocalDpi xmlns:a14="http://schemas.microsoft.com/office/drawing/2010/main" val="0"/>
+              </a:ext>
+            </a:extLst>
+          </a:blip>
+          <a:stretch>
+            <a:fillRect/>
+          </a:stretch>
+        </p:blipFill>
+        <p:spPr>
+          <a:xfrm>
+            <a:off x="838200" y="2306495"/>
+            <a:ext cx="2139401" cy="3803379"/>
+          </a:xfrm>
+          <a:prstGeom prst="rect">
+            <a:avLst/>
+          </a:prstGeom>
+          <a:ln>
+            <a:noFill/>
+          </a:ln>
+          <a:effectLst>
+            <a:outerShdw blurRad="292100" dist="139700" dir="2700000" algn="tl" rotWithShape="0">
+              <a:srgbClr val="333333">
+                <a:alpha val="65000"/>
+              </a:srgbClr>
+            </a:outerShdw>
+          </a:effectLst>
+        </p:spPr>
+      </p:pic>
+      <p:pic>
+        <p:nvPicPr>
+          <p:cNvPr id="8" name="图片 7"/>
+          <p:cNvPicPr>
+            <a:picLocks noChangeAspect="1"/>
+          </p:cNvPicPr>
+          <p:nvPr/>
+        </p:nvPicPr>
+        <p:blipFill>
+          <a:blip r:embed="rId3">
+            <a:extLst>
+              <a:ext uri="{28A0092B-C50C-407E-A947-70E740481C1C}">
+                <a14:useLocalDpi xmlns:a14="http://schemas.microsoft.com/office/drawing/2010/main" val="0"/>
+              </a:ext>
+            </a:extLst>
+          </a:blip>
+          <a:stretch>
+            <a:fillRect/>
+          </a:stretch>
+        </p:blipFill>
+        <p:spPr>
+          <a:xfrm>
+            <a:off x="4705191" y="3356990"/>
+            <a:ext cx="5277008" cy="2752885"/>
+          </a:xfrm>
+          <a:prstGeom prst="rect">
+            <a:avLst/>
+          </a:prstGeom>
+          <a:ln>
+            <a:noFill/>
+          </a:ln>
+          <a:effectLst>
+            <a:outerShdw blurRad="292100" dist="139700" dir="2700000" algn="tl" rotWithShape="0">
+              <a:srgbClr val="333333">
+                <a:alpha val="65000"/>
+              </a:srgbClr>
+            </a:outerShdw>
+          </a:effectLst>
+        </p:spPr>
+      </p:pic>
+      <p:sp>
+        <p:nvSpPr>
+          <p:cNvPr id="9" name="文本框 8"/>
+          <p:cNvSpPr txBox="1"/>
+          <p:nvPr/>
+        </p:nvSpPr>
+        <p:spPr>
+          <a:xfrm>
+            <a:off x="4705191" y="1690688"/>
+            <a:ext cx="7199594" cy="923330"/>
+          </a:xfrm>
+          <a:prstGeom prst="rect">
+            <a:avLst/>
+          </a:prstGeom>
+          <a:noFill/>
+        </p:spPr>
+        <p:txBody>
+          <a:bodyPr wrap="square" rtlCol="0">
+            <a:spAutoFit/>
+          </a:bodyPr>
+          <a:lstStyle/>
+          <a:p>
+            <a:pPr marL="285750" indent="-285750">
+              <a:buFont typeface="Arial" panose="020B0604020202020204" pitchFamily="34" charset="0"/>
+              <a:buChar char="•"/>
+            </a:pPr>
+            <a:r>
+              <a:rPr lang="zh-CN" altLang="en-US" dirty="0" smtClean="0"/>
+              <a:t>比较简单</a:t>
+            </a:r>
+            <a:endParaRPr lang="en-US" altLang="zh-CN" dirty="0" smtClean="0"/>
+          </a:p>
+          <a:p>
+            <a:pPr marL="285750" indent="-285750">
+              <a:buFont typeface="Arial" panose="020B0604020202020204" pitchFamily="34" charset="0"/>
+              <a:buChar char="•"/>
+            </a:pPr>
+            <a:r>
+              <a:rPr lang="zh-CN" altLang="en-US" dirty="0" smtClean="0"/>
+              <a:t>难点：“享受特权”按钮</a:t>
+            </a:r>
+            <a:endParaRPr lang="en-US" altLang="zh-CN" dirty="0" smtClean="0"/>
+          </a:p>
+          <a:p>
+            <a:pPr marL="285750" indent="-285750">
+              <a:buFont typeface="Arial" panose="020B0604020202020204" pitchFamily="34" charset="0"/>
+              <a:buChar char="•"/>
+            </a:pPr>
+            <a:r>
+              <a:rPr lang="zh-CN" altLang="en-US" dirty="0" smtClean="0"/>
+              <a:t>认真学习项目代码、多请教。</a:t>
+            </a:r>
+            <a:endParaRPr lang="zh-CN" altLang="en-US" dirty="0"/>
+          </a:p>
+        </p:txBody>
+      </p:sp>
+    </p:spTree>
+    <p:extLst>
+      <p:ext uri="{BB962C8B-B14F-4D97-AF65-F5344CB8AC3E}">
+        <p14:creationId xmlns:p14="http://schemas.microsoft.com/office/powerpoint/2010/main" val="1181277469"/>
+      </p:ext>
+    </p:extLst>
+  </p:cSld>
+  <p:clrMapOvr>
+    <a:masterClrMapping/>
+  </p:clrMapOvr>
+  <mc:AlternateContent xmlns:mc="http://schemas.openxmlformats.org/markup-compatibility/2006">
+    <mc:Choice xmlns:p14="http://schemas.microsoft.com/office/powerpoint/2010/main" Requires="p14">
+      <p:transition spd="med" p14:dur="700">
+        <p:fade/>
+      </p:transition>
+    </mc:Choice>
+    <mc:Fallback>
+      <p:transition spd="med">
+        <p:fade/>
+      </p:transition>
+    </mc:Fallback>
+  </mc:AlternateContent>
+  <p:timing>
+    <p:tnLst>
+      <p:par>
+        <p:cTn id="1" dur="indefinite" restart="never" nodeType="tmRoot"/>
+      </p:par>
+    </p:tnLst>
+  </p:timing>
+</p:sld>
+</file>
+
+<file path=ppt/slides/slide6.xml><?xml version="1.0" encoding="utf-8"?>
+<p:sld xmlns:a="http://schemas.openxmlformats.org/drawingml/2006/main" xmlns:r="http://schemas.openxmlformats.org/officeDocument/2006/relationships" xmlns:p="http://schemas.openxmlformats.org/presentationml/2006/main">
+  <p:cSld>
+    <p:spTree>
+      <p:nvGrpSpPr>
+        <p:cNvPr id="1" name=""/>
+        <p:cNvGrpSpPr/>
+        <p:nvPr/>
+      </p:nvGrpSpPr>
+      <p:grpSpPr>
+        <a:xfrm>
+          <a:off x="0" y="0"/>
+          <a:ext cx="0" cy="0"/>
+          <a:chOff x="0" y="0"/>
+          <a:chExt cx="0" cy="0"/>
+        </a:xfrm>
+      </p:grpSpPr>
+      <p:sp>
+        <p:nvSpPr>
+          <p:cNvPr id="2" name="标题 1"/>
+          <p:cNvSpPr>
+            <a:spLocks noGrp="1"/>
+          </p:cNvSpPr>
+          <p:nvPr>
+            <p:ph type="title"/>
+          </p:nvPr>
+        </p:nvSpPr>
+        <p:spPr/>
+        <p:txBody>
+          <a:bodyPr/>
+          <a:lstStyle/>
+          <a:p>
+            <a:r>
+              <a:rPr lang="zh-CN" altLang="en-US" dirty="0" smtClean="0"/>
+              <a:t>业务收获</a:t>
+            </a:r>
+            <a:endParaRPr lang="zh-CN" altLang="en-US" dirty="0"/>
+          </a:p>
+        </p:txBody>
+      </p:sp>
+      <p:sp>
+        <p:nvSpPr>
+          <p:cNvPr id="5" name="日期占位符 4"/>
+          <p:cNvSpPr>
+            <a:spLocks noGrp="1"/>
+          </p:cNvSpPr>
+          <p:nvPr>
+            <p:ph type="dt" sz="half" idx="10"/>
+          </p:nvPr>
+        </p:nvSpPr>
+        <p:spPr/>
+        <p:txBody>
+          <a:bodyPr/>
+          <a:lstStyle/>
+          <a:p>
+            <a:fld id="{5EBF2BF7-1C0B-46F0-AA2F-6126860028BF}" type="datetime9">
+              <a:rPr lang="en-US" altLang="zh-CN" smtClean="0"/>
+              <a:t>9/10/2015 11:01:04 PM</a:t>
+            </a:fld>
+            <a:endParaRPr lang="en-US" dirty="0"/>
+          </a:p>
+        </p:txBody>
+      </p:sp>
+      <p:sp>
+        <p:nvSpPr>
+          <p:cNvPr id="6" name="灯片编号占位符 5"/>
+          <p:cNvSpPr>
+            <a:spLocks noGrp="1"/>
+          </p:cNvSpPr>
+          <p:nvPr>
+            <p:ph type="sldNum" sz="quarter" idx="12"/>
+          </p:nvPr>
+        </p:nvSpPr>
+        <p:spPr/>
+        <p:txBody>
+          <a:bodyPr/>
+          <a:lstStyle/>
+          <a:p>
+            <a:fld id="{6D22F896-40B5-4ADD-8801-0D06FADFA095}" type="slidenum">
+              <a:rPr lang="en-US" smtClean="0"/>
+              <a:t>6</a:t>
+            </a:fld>
+            <a:endParaRPr lang="en-US" dirty="0"/>
+          </a:p>
+        </p:txBody>
+      </p:sp>
+      <p:sp>
+        <p:nvSpPr>
+          <p:cNvPr id="4" name="文本框 3"/>
+          <p:cNvSpPr txBox="1"/>
+          <p:nvPr/>
+        </p:nvSpPr>
+        <p:spPr>
+          <a:xfrm>
+            <a:off x="1130532" y="1690688"/>
+            <a:ext cx="1847070" cy="369332"/>
+          </a:xfrm>
+          <a:prstGeom prst="rect">
+            <a:avLst/>
+          </a:prstGeom>
+          <a:noFill/>
+        </p:spPr>
+        <p:txBody>
+          <a:bodyPr wrap="square" rtlCol="0">
+            <a:spAutoFit/>
+          </a:bodyPr>
+          <a:lstStyle/>
+          <a:p>
+            <a:pPr marL="285750" indent="-285750">
+              <a:buFont typeface="Wingdings" panose="05000000000000000000" pitchFamily="2" charset="2"/>
+              <a:buChar char="l"/>
+            </a:pPr>
+            <a:r>
+              <a:rPr lang="zh-CN" altLang="en-US" dirty="0" smtClean="0"/>
+              <a:t>诚信交友</a:t>
+            </a:r>
+            <a:endParaRPr lang="zh-CN" altLang="en-US" dirty="0"/>
+          </a:p>
+        </p:txBody>
+      </p:sp>
+      <p:pic>
+        <p:nvPicPr>
+          <p:cNvPr id="7" name="图片 6"/>
+          <p:cNvPicPr>
+            <a:picLocks noChangeAspect="1"/>
+          </p:cNvPicPr>
+          <p:nvPr/>
+        </p:nvPicPr>
+        <p:blipFill>
+          <a:blip r:embed="rId2">
+            <a:extLst>
+              <a:ext uri="{28A0092B-C50C-407E-A947-70E740481C1C}">
+                <a14:useLocalDpi xmlns:a14="http://schemas.microsoft.com/office/drawing/2010/main" val="0"/>
+              </a:ext>
+            </a:extLst>
+          </a:blip>
+          <a:stretch>
+            <a:fillRect/>
+          </a:stretch>
+        </p:blipFill>
+        <p:spPr>
+          <a:xfrm>
+            <a:off x="838200" y="2306495"/>
+            <a:ext cx="2139400" cy="3803379"/>
+          </a:xfrm>
+          <a:prstGeom prst="rect">
+            <a:avLst/>
+          </a:prstGeom>
+          <a:ln>
+            <a:noFill/>
+          </a:ln>
+          <a:effectLst>
+            <a:outerShdw blurRad="292100" dist="139700" dir="2700000" algn="tl" rotWithShape="0">
+              <a:srgbClr val="333333">
+                <a:alpha val="65000"/>
+              </a:srgbClr>
+            </a:outerShdw>
+          </a:effectLst>
+        </p:spPr>
+      </p:pic>
+      <p:pic>
+        <p:nvPicPr>
+          <p:cNvPr id="8" name="图片 7"/>
+          <p:cNvPicPr>
+            <a:picLocks noChangeAspect="1"/>
+          </p:cNvPicPr>
+          <p:nvPr/>
+        </p:nvPicPr>
+        <p:blipFill>
+          <a:blip r:embed="rId3">
+            <a:extLst>
+              <a:ext uri="{28A0092B-C50C-407E-A947-70E740481C1C}">
+                <a14:useLocalDpi xmlns:a14="http://schemas.microsoft.com/office/drawing/2010/main" val="0"/>
+              </a:ext>
+            </a:extLst>
+          </a:blip>
+          <a:stretch>
+            <a:fillRect/>
+          </a:stretch>
+        </p:blipFill>
+        <p:spPr>
+          <a:xfrm>
+            <a:off x="4708901" y="3356990"/>
+            <a:ext cx="5269587" cy="2752885"/>
+          </a:xfrm>
+          <a:prstGeom prst="rect">
+            <a:avLst/>
+          </a:prstGeom>
+          <a:ln>
+            <a:noFill/>
+          </a:ln>
+          <a:effectLst>
+            <a:outerShdw blurRad="292100" dist="139700" dir="2700000" algn="tl" rotWithShape="0">
+              <a:srgbClr val="333333">
+                <a:alpha val="65000"/>
+              </a:srgbClr>
+            </a:outerShdw>
+          </a:effectLst>
+        </p:spPr>
+      </p:pic>
+      <p:sp>
+        <p:nvSpPr>
+          <p:cNvPr id="9" name="文本框 8"/>
+          <p:cNvSpPr txBox="1"/>
+          <p:nvPr/>
+        </p:nvSpPr>
+        <p:spPr>
+          <a:xfrm>
+            <a:off x="4705191" y="1690688"/>
+            <a:ext cx="7199594" cy="923330"/>
+          </a:xfrm>
+          <a:prstGeom prst="rect">
+            <a:avLst/>
+          </a:prstGeom>
+          <a:noFill/>
+        </p:spPr>
+        <p:txBody>
+          <a:bodyPr wrap="square" rtlCol="0">
+            <a:spAutoFit/>
+          </a:bodyPr>
+          <a:lstStyle/>
+          <a:p>
+            <a:pPr marL="285750" indent="-285750">
+              <a:buFont typeface="Arial" panose="020B0604020202020204" pitchFamily="34" charset="0"/>
+              <a:buChar char="•"/>
+            </a:pPr>
+            <a:r>
+              <a:rPr lang="zh-CN" altLang="en-US" dirty="0" smtClean="0"/>
+              <a:t>布局同芝麻特权</a:t>
+            </a:r>
+            <a:endParaRPr lang="en-US" altLang="zh-CN" dirty="0" smtClean="0"/>
+          </a:p>
+          <a:p>
+            <a:pPr marL="285750" indent="-285750">
+              <a:buFont typeface="Arial" panose="020B0604020202020204" pitchFamily="34" charset="0"/>
+              <a:buChar char="•"/>
+            </a:pPr>
+            <a:r>
+              <a:rPr lang="zh-CN" altLang="en-US" dirty="0" smtClean="0"/>
+              <a:t>难点：同“享受特权”按钮</a:t>
+            </a:r>
+            <a:endParaRPr lang="en-US" altLang="zh-CN" dirty="0" smtClean="0"/>
+          </a:p>
+          <a:p>
+            <a:pPr marL="285750" indent="-285750">
+              <a:buFont typeface="Arial" panose="020B0604020202020204" pitchFamily="34" charset="0"/>
+              <a:buChar char="•"/>
+            </a:pPr>
+            <a:r>
+              <a:rPr lang="zh-CN" altLang="en-US" dirty="0" smtClean="0"/>
+              <a:t>多总结、规范代码结构等，以便复用</a:t>
+            </a:r>
+            <a:endParaRPr lang="zh-CN" altLang="en-US" dirty="0"/>
+          </a:p>
+        </p:txBody>
+      </p:sp>
+    </p:spTree>
+    <p:extLst>
+      <p:ext uri="{BB962C8B-B14F-4D97-AF65-F5344CB8AC3E}">
+        <p14:creationId xmlns:p14="http://schemas.microsoft.com/office/powerpoint/2010/main" val="3044768122"/>
+      </p:ext>
+    </p:extLst>
+  </p:cSld>
+  <p:clrMapOvr>
+    <a:masterClrMapping/>
+  </p:clrMapOvr>
+  <mc:AlternateContent xmlns:mc="http://schemas.openxmlformats.org/markup-compatibility/2006">
+    <mc:Choice xmlns:p14="http://schemas.microsoft.com/office/powerpoint/2010/main" Requires="p14">
+      <p:transition spd="med" p14:dur="700">
+        <p:fade/>
+      </p:transition>
+    </mc:Choice>
+    <mc:Fallback>
+      <p:transition spd="med">
+        <p:fade/>
+      </p:transition>
+    </mc:Fallback>
+  </mc:AlternateContent>
+  <p:timing>
+    <p:tnLst>
+      <p:par>
+        <p:cTn id="1" dur="indefinite" restart="never" nodeType="tmRoot"/>
+      </p:par>
+    </p:tnLst>
+  </p:timing>
+</p:sld>
+</file>
+
+<file path=ppt/slides/slide7.xml><?xml version="1.0" encoding="utf-8"?>
+<p:sld xmlns:a="http://schemas.openxmlformats.org/drawingml/2006/main" xmlns:r="http://schemas.openxmlformats.org/officeDocument/2006/relationships" xmlns:p="http://schemas.openxmlformats.org/presentationml/2006/main">
+  <p:cSld>
+    <p:spTree>
+      <p:nvGrpSpPr>
+        <p:cNvPr id="1" name=""/>
+        <p:cNvGrpSpPr/>
+        <p:nvPr/>
+      </p:nvGrpSpPr>
+      <p:grpSpPr>
+        <a:xfrm>
+          <a:off x="0" y="0"/>
+          <a:ext cx="0" cy="0"/>
+          <a:chOff x="0" y="0"/>
+          <a:chExt cx="0" cy="0"/>
+        </a:xfrm>
+      </p:grpSpPr>
+      <p:sp>
+        <p:nvSpPr>
+          <p:cNvPr id="2" name="标题 1"/>
+          <p:cNvSpPr>
+            <a:spLocks noGrp="1"/>
+          </p:cNvSpPr>
+          <p:nvPr>
+            <p:ph type="title"/>
+          </p:nvPr>
+        </p:nvSpPr>
+        <p:spPr/>
+        <p:txBody>
+          <a:bodyPr/>
+          <a:lstStyle/>
+          <a:p>
+            <a:r>
+              <a:rPr lang="zh-CN" altLang="en-US" dirty="0" smtClean="0"/>
+              <a:t>业务收获</a:t>
+            </a:r>
+            <a:endParaRPr lang="zh-CN" altLang="en-US" dirty="0"/>
+          </a:p>
+        </p:txBody>
+      </p:sp>
+      <p:sp>
+        <p:nvSpPr>
+          <p:cNvPr id="5" name="日期占位符 4"/>
+          <p:cNvSpPr>
+            <a:spLocks noGrp="1"/>
+          </p:cNvSpPr>
+          <p:nvPr>
+            <p:ph type="dt" sz="half" idx="10"/>
+          </p:nvPr>
+        </p:nvSpPr>
+        <p:spPr/>
+        <p:txBody>
+          <a:bodyPr/>
+          <a:lstStyle/>
+          <a:p>
+            <a:fld id="{5EBF2BF7-1C0B-46F0-AA2F-6126860028BF}" type="datetime9">
+              <a:rPr lang="en-US" altLang="zh-CN" smtClean="0"/>
+              <a:t>9/10/2015 11:18:46 PM</a:t>
+            </a:fld>
+            <a:endParaRPr lang="en-US" dirty="0"/>
+          </a:p>
+        </p:txBody>
+      </p:sp>
+      <p:sp>
+        <p:nvSpPr>
+          <p:cNvPr id="6" name="灯片编号占位符 5"/>
+          <p:cNvSpPr>
+            <a:spLocks noGrp="1"/>
+          </p:cNvSpPr>
+          <p:nvPr>
+            <p:ph type="sldNum" sz="quarter" idx="12"/>
+          </p:nvPr>
+        </p:nvSpPr>
+        <p:spPr/>
+        <p:txBody>
+          <a:bodyPr/>
+          <a:lstStyle/>
+          <a:p>
+            <a:fld id="{6D22F896-40B5-4ADD-8801-0D06FADFA095}" type="slidenum">
+              <a:rPr lang="en-US" smtClean="0"/>
+              <a:t>7</a:t>
+            </a:fld>
+            <a:endParaRPr lang="en-US" dirty="0"/>
+          </a:p>
+        </p:txBody>
+      </p:sp>
+      <p:sp>
+        <p:nvSpPr>
+          <p:cNvPr id="4" name="文本框 3"/>
+          <p:cNvSpPr txBox="1"/>
+          <p:nvPr/>
+        </p:nvSpPr>
+        <p:spPr>
+          <a:xfrm>
+            <a:off x="1130532" y="1690688"/>
+            <a:ext cx="2450868" cy="369332"/>
+          </a:xfrm>
+          <a:prstGeom prst="rect">
+            <a:avLst/>
+          </a:prstGeom>
+          <a:noFill/>
+        </p:spPr>
+        <p:txBody>
+          <a:bodyPr wrap="square" rtlCol="0">
+            <a:spAutoFit/>
+          </a:bodyPr>
+          <a:lstStyle/>
+          <a:p>
+            <a:pPr marL="285750" indent="-285750">
+              <a:buFont typeface="Wingdings" panose="05000000000000000000" pitchFamily="2" charset="2"/>
+              <a:buChar char="l"/>
+            </a:pPr>
+            <a:r>
+              <a:rPr lang="zh-CN" altLang="en-US" dirty="0" smtClean="0"/>
+              <a:t>诚信交友二次宣传</a:t>
+            </a:r>
+            <a:endParaRPr lang="zh-CN" altLang="en-US" dirty="0"/>
+          </a:p>
+        </p:txBody>
+      </p:sp>
+      <p:pic>
+        <p:nvPicPr>
+          <p:cNvPr id="7" name="图片 6"/>
+          <p:cNvPicPr>
+            <a:picLocks noChangeAspect="1"/>
+          </p:cNvPicPr>
+          <p:nvPr/>
+        </p:nvPicPr>
+        <p:blipFill>
+          <a:blip r:embed="rId2">
+            <a:extLst>
+              <a:ext uri="{28A0092B-C50C-407E-A947-70E740481C1C}">
+                <a14:useLocalDpi xmlns:a14="http://schemas.microsoft.com/office/drawing/2010/main" val="0"/>
+              </a:ext>
+            </a:extLst>
+          </a:blip>
+          <a:stretch>
+            <a:fillRect/>
+          </a:stretch>
+        </p:blipFill>
+        <p:spPr>
+          <a:xfrm>
+            <a:off x="838200" y="2306495"/>
+            <a:ext cx="2139400" cy="3803379"/>
+          </a:xfrm>
+          <a:prstGeom prst="rect">
+            <a:avLst/>
+          </a:prstGeom>
+          <a:ln>
+            <a:noFill/>
+          </a:ln>
+          <a:effectLst>
+            <a:outerShdw blurRad="292100" dist="139700" dir="2700000" algn="tl" rotWithShape="0">
+              <a:srgbClr val="333333">
+                <a:alpha val="65000"/>
+              </a:srgbClr>
+            </a:outerShdw>
+          </a:effectLst>
+        </p:spPr>
+      </p:pic>
+      <p:pic>
+        <p:nvPicPr>
+          <p:cNvPr id="8" name="图片 7"/>
+          <p:cNvPicPr>
+            <a:picLocks noChangeAspect="1"/>
+          </p:cNvPicPr>
+          <p:nvPr/>
+        </p:nvPicPr>
+        <p:blipFill>
+          <a:blip r:embed="rId3">
+            <a:extLst>
+              <a:ext uri="{28A0092B-C50C-407E-A947-70E740481C1C}">
+                <a14:useLocalDpi xmlns:a14="http://schemas.microsoft.com/office/drawing/2010/main" val="0"/>
+              </a:ext>
+            </a:extLst>
+          </a:blip>
+          <a:stretch>
+            <a:fillRect/>
+          </a:stretch>
+        </p:blipFill>
+        <p:spPr>
+          <a:xfrm>
+            <a:off x="6414601" y="3356990"/>
+            <a:ext cx="5269587" cy="2752885"/>
+          </a:xfrm>
+          <a:prstGeom prst="rect">
+            <a:avLst/>
+          </a:prstGeom>
+          <a:ln>
+            <a:noFill/>
+          </a:ln>
+          <a:effectLst>
+            <a:outerShdw blurRad="292100" dist="139700" dir="2700000" algn="tl" rotWithShape="0">
+              <a:srgbClr val="333333">
+                <a:alpha val="65000"/>
+              </a:srgbClr>
+            </a:outerShdw>
+          </a:effectLst>
+        </p:spPr>
+      </p:pic>
+      <p:sp>
+        <p:nvSpPr>
+          <p:cNvPr id="9" name="文本框 8"/>
+          <p:cNvSpPr txBox="1"/>
+          <p:nvPr/>
+        </p:nvSpPr>
+        <p:spPr>
+          <a:xfrm>
+            <a:off x="6823872" y="1690688"/>
+            <a:ext cx="4452683" cy="923330"/>
+          </a:xfrm>
+          <a:prstGeom prst="rect">
+            <a:avLst/>
+          </a:prstGeom>
+          <a:noFill/>
+        </p:spPr>
+        <p:txBody>
+          <a:bodyPr wrap="square" rtlCol="0">
+            <a:spAutoFit/>
+          </a:bodyPr>
+          <a:lstStyle/>
+          <a:p>
+            <a:pPr marL="285750" indent="-285750">
+              <a:buFont typeface="Arial" panose="020B0604020202020204" pitchFamily="34" charset="0"/>
+              <a:buChar char="•"/>
+            </a:pPr>
+            <a:r>
+              <a:rPr lang="zh-CN" altLang="en-US" dirty="0" smtClean="0"/>
+              <a:t>布局基本不变</a:t>
+            </a:r>
+            <a:endParaRPr lang="en-US" altLang="zh-CN" dirty="0" smtClean="0"/>
+          </a:p>
+          <a:p>
+            <a:pPr marL="285750" indent="-285750">
+              <a:buFont typeface="Arial" panose="020B0604020202020204" pitchFamily="34" charset="0"/>
+              <a:buChar char="•"/>
+            </a:pPr>
+            <a:r>
+              <a:rPr lang="zh-CN" altLang="en-US" dirty="0" smtClean="0"/>
+              <a:t>换</a:t>
+            </a:r>
+            <a:r>
+              <a:rPr lang="en-US" altLang="zh-CN" dirty="0" smtClean="0"/>
+              <a:t>UI</a:t>
+            </a:r>
+          </a:p>
+          <a:p>
+            <a:pPr marL="285750" indent="-285750">
+              <a:buFont typeface="Arial" panose="020B0604020202020204" pitchFamily="34" charset="0"/>
+              <a:buChar char="•"/>
+            </a:pPr>
+            <a:r>
+              <a:rPr lang="zh-CN" altLang="en-US" dirty="0" smtClean="0"/>
+              <a:t>数据：与后台的沟通</a:t>
+            </a:r>
+            <a:endParaRPr lang="zh-CN" altLang="en-US" dirty="0"/>
+          </a:p>
+        </p:txBody>
+      </p:sp>
+      <p:pic>
+        <p:nvPicPr>
+          <p:cNvPr id="10" name="图片 9"/>
+          <p:cNvPicPr>
+            <a:picLocks noChangeAspect="1"/>
+          </p:cNvPicPr>
+          <p:nvPr/>
+        </p:nvPicPr>
+        <p:blipFill>
+          <a:blip r:embed="rId2">
+            <a:extLst>
+              <a:ext uri="{28A0092B-C50C-407E-A947-70E740481C1C}">
+                <a14:useLocalDpi xmlns:a14="http://schemas.microsoft.com/office/drawing/2010/main" val="0"/>
+              </a:ext>
+            </a:extLst>
+          </a:blip>
+          <a:stretch>
+            <a:fillRect/>
+          </a:stretch>
+        </p:blipFill>
+        <p:spPr>
+          <a:xfrm>
+            <a:off x="3305908" y="2306494"/>
+            <a:ext cx="2139400" cy="3803379"/>
+          </a:xfrm>
+          <a:prstGeom prst="rect">
+            <a:avLst/>
+          </a:prstGeom>
+          <a:ln>
+            <a:noFill/>
+          </a:ln>
+          <a:effectLst>
+            <a:outerShdw blurRad="292100" dist="139700" dir="2700000" algn="tl" rotWithShape="0">
+              <a:srgbClr val="333333">
+                <a:alpha val="65000"/>
+              </a:srgbClr>
+            </a:outerShdw>
+          </a:effectLst>
+        </p:spPr>
+      </p:pic>
+    </p:spTree>
+    <p:extLst>
+      <p:ext uri="{BB962C8B-B14F-4D97-AF65-F5344CB8AC3E}">
+        <p14:creationId xmlns:p14="http://schemas.microsoft.com/office/powerpoint/2010/main" val="979848203"/>
+      </p:ext>
+    </p:extLst>
+  </p:cSld>
+  <p:clrMapOvr>
+    <a:masterClrMapping/>
+  </p:clrMapOvr>
+  <mc:AlternateContent xmlns:mc="http://schemas.openxmlformats.org/markup-compatibility/2006">
+    <mc:Choice xmlns:p14="http://schemas.microsoft.com/office/powerpoint/2010/main" Requires="p14">
+      <p:transition spd="med" p14:dur="700">
+        <p:fade/>
+      </p:transition>
+    </mc:Choice>
+    <mc:Fallback>
+      <p:transition spd="med">
+        <p:fade/>
+      </p:transition>
+    </mc:Fallback>
+  </mc:AlternateContent>
+  <p:timing>
+    <p:tnLst>
+      <p:par>
+        <p:cTn id="1" dur="indefinite" restart="never" nodeType="tmRoot"/>
+      </p:par>
+    </p:tnLst>
+  </p:timing>
+</p:sld>
+</file>
+
+<file path=ppt/slides/slide8.xml><?xml version="1.0" encoding="utf-8"?>
+<p:sld xmlns:a="http://schemas.openxmlformats.org/drawingml/2006/main" xmlns:r="http://schemas.openxmlformats.org/officeDocument/2006/relationships" xmlns:p="http://schemas.openxmlformats.org/presentationml/2006/main">
+  <p:cSld>
+    <p:spTree>
+      <p:nvGrpSpPr>
+        <p:cNvPr id="1" name=""/>
+        <p:cNvGrpSpPr/>
+        <p:nvPr/>
+      </p:nvGrpSpPr>
+      <p:grpSpPr>
+        <a:xfrm>
+          <a:off x="0" y="0"/>
+          <a:ext cx="0" cy="0"/>
+          <a:chOff x="0" y="0"/>
+          <a:chExt cx="0" cy="0"/>
+        </a:xfrm>
+      </p:grpSpPr>
+      <p:sp>
+        <p:nvSpPr>
+          <p:cNvPr id="2" name="标题 1"/>
+          <p:cNvSpPr>
+            <a:spLocks noGrp="1"/>
+          </p:cNvSpPr>
+          <p:nvPr>
+            <p:ph type="title"/>
+          </p:nvPr>
+        </p:nvSpPr>
+        <p:spPr/>
+        <p:txBody>
+          <a:bodyPr/>
+          <a:lstStyle/>
+          <a:p>
+            <a:r>
+              <a:rPr lang="zh-CN" altLang="en-US" dirty="0" smtClean="0"/>
+              <a:t>业务收获</a:t>
+            </a:r>
+            <a:endParaRPr lang="zh-CN" altLang="en-US" dirty="0"/>
+          </a:p>
+        </p:txBody>
+      </p:sp>
+      <p:sp>
+        <p:nvSpPr>
+          <p:cNvPr id="5" name="日期占位符 4"/>
+          <p:cNvSpPr>
+            <a:spLocks noGrp="1"/>
+          </p:cNvSpPr>
+          <p:nvPr>
+            <p:ph type="dt" sz="half" idx="10"/>
+          </p:nvPr>
+        </p:nvSpPr>
+        <p:spPr/>
+        <p:txBody>
+          <a:bodyPr/>
+          <a:lstStyle/>
+          <a:p>
+            <a:fld id="{5EBF2BF7-1C0B-46F0-AA2F-6126860028BF}" type="datetime9">
+              <a:rPr lang="en-US" altLang="zh-CN" smtClean="0"/>
+              <a:t>9/10/2015 11:04:19 PM</a:t>
+            </a:fld>
+            <a:endParaRPr lang="en-US" dirty="0"/>
+          </a:p>
+        </p:txBody>
+      </p:sp>
+      <p:sp>
+        <p:nvSpPr>
+          <p:cNvPr id="6" name="灯片编号占位符 5"/>
+          <p:cNvSpPr>
+            <a:spLocks noGrp="1"/>
+          </p:cNvSpPr>
+          <p:nvPr>
+            <p:ph type="sldNum" sz="quarter" idx="12"/>
+          </p:nvPr>
+        </p:nvSpPr>
+        <p:spPr/>
+        <p:txBody>
+          <a:bodyPr/>
+          <a:lstStyle/>
+          <a:p>
+            <a:fld id="{6D22F896-40B5-4ADD-8801-0D06FADFA095}" type="slidenum">
+              <a:rPr lang="en-US" smtClean="0"/>
+              <a:t>8</a:t>
+            </a:fld>
+            <a:endParaRPr lang="en-US" dirty="0"/>
+          </a:p>
+        </p:txBody>
+      </p:sp>
+      <p:sp>
+        <p:nvSpPr>
+          <p:cNvPr id="4" name="文本框 3"/>
+          <p:cNvSpPr txBox="1"/>
+          <p:nvPr/>
+        </p:nvSpPr>
+        <p:spPr>
+          <a:xfrm>
+            <a:off x="838200" y="1690688"/>
+            <a:ext cx="1847070" cy="369332"/>
+          </a:xfrm>
+          <a:prstGeom prst="rect">
+            <a:avLst/>
+          </a:prstGeom>
+          <a:noFill/>
+        </p:spPr>
+        <p:txBody>
+          <a:bodyPr wrap="square" rtlCol="0">
+            <a:spAutoFit/>
+          </a:bodyPr>
+          <a:lstStyle/>
+          <a:p>
+            <a:pPr marL="285750" indent="-285750">
+              <a:buFont typeface="Wingdings" panose="05000000000000000000" pitchFamily="2" charset="2"/>
+              <a:buChar char="l"/>
+            </a:pPr>
+            <a:r>
+              <a:rPr lang="zh-CN" altLang="en-US" dirty="0" smtClean="0"/>
+              <a:t>成功故事</a:t>
+            </a:r>
+            <a:endParaRPr lang="zh-CN" altLang="en-US" dirty="0"/>
+          </a:p>
+        </p:txBody>
+      </p:sp>
+      <p:pic>
+        <p:nvPicPr>
+          <p:cNvPr id="7" name="图片 6"/>
+          <p:cNvPicPr>
+            <a:picLocks noChangeAspect="1"/>
+          </p:cNvPicPr>
+          <p:nvPr/>
+        </p:nvPicPr>
+        <p:blipFill>
+          <a:blip r:embed="rId2">
+            <a:extLst>
+              <a:ext uri="{28A0092B-C50C-407E-A947-70E740481C1C}">
+                <a14:useLocalDpi xmlns:a14="http://schemas.microsoft.com/office/drawing/2010/main" val="0"/>
+              </a:ext>
+            </a:extLst>
+          </a:blip>
+          <a:stretch>
+            <a:fillRect/>
+          </a:stretch>
+        </p:blipFill>
+        <p:spPr>
+          <a:xfrm>
+            <a:off x="838200" y="2306495"/>
+            <a:ext cx="2139401" cy="3803379"/>
+          </a:xfrm>
+          <a:prstGeom prst="rect">
+            <a:avLst/>
+          </a:prstGeom>
+          <a:ln>
+            <a:noFill/>
+          </a:ln>
+          <a:effectLst>
+            <a:outerShdw blurRad="292100" dist="139700" dir="2700000" algn="tl" rotWithShape="0">
+              <a:srgbClr val="333333">
+                <a:alpha val="65000"/>
+              </a:srgbClr>
+            </a:outerShdw>
+          </a:effectLst>
+        </p:spPr>
+      </p:pic>
+      <p:pic>
+        <p:nvPicPr>
+          <p:cNvPr id="8" name="图片 7"/>
+          <p:cNvPicPr>
+            <a:picLocks noChangeAspect="1"/>
+          </p:cNvPicPr>
+          <p:nvPr/>
+        </p:nvPicPr>
+        <p:blipFill>
+          <a:blip r:embed="rId3">
+            <a:extLst>
+              <a:ext uri="{28A0092B-C50C-407E-A947-70E740481C1C}">
+                <a14:useLocalDpi xmlns:a14="http://schemas.microsoft.com/office/drawing/2010/main" val="0"/>
+              </a:ext>
+            </a:extLst>
+          </a:blip>
+          <a:stretch>
+            <a:fillRect/>
+          </a:stretch>
+        </p:blipFill>
+        <p:spPr>
+          <a:xfrm>
+            <a:off x="4705191" y="3356990"/>
+            <a:ext cx="5277009" cy="2752885"/>
+          </a:xfrm>
+          <a:prstGeom prst="rect">
+            <a:avLst/>
+          </a:prstGeom>
+          <a:ln>
+            <a:noFill/>
+          </a:ln>
+          <a:effectLst>
+            <a:outerShdw blurRad="292100" dist="139700" dir="2700000" algn="tl" rotWithShape="0">
+              <a:srgbClr val="333333">
+                <a:alpha val="65000"/>
+              </a:srgbClr>
+            </a:outerShdw>
+          </a:effectLst>
+        </p:spPr>
+      </p:pic>
+      <p:sp>
+        <p:nvSpPr>
+          <p:cNvPr id="9" name="文本框 8"/>
+          <p:cNvSpPr txBox="1"/>
+          <p:nvPr/>
+        </p:nvSpPr>
+        <p:spPr>
+          <a:xfrm>
+            <a:off x="4705191" y="1690688"/>
+            <a:ext cx="7199594" cy="923330"/>
+          </a:xfrm>
+          <a:prstGeom prst="rect">
+            <a:avLst/>
+          </a:prstGeom>
+          <a:noFill/>
+        </p:spPr>
+        <p:txBody>
+          <a:bodyPr wrap="square" rtlCol="0">
+            <a:spAutoFit/>
+          </a:bodyPr>
+          <a:lstStyle/>
+          <a:p>
+            <a:pPr marL="285750" indent="-285750">
+              <a:buFont typeface="Arial" panose="020B0604020202020204" pitchFamily="34" charset="0"/>
+              <a:buChar char="•"/>
+            </a:pPr>
+            <a:r>
+              <a:rPr lang="zh-CN" altLang="en-US" dirty="0" smtClean="0"/>
+              <a:t>微信公众号内嵌</a:t>
+            </a:r>
+            <a:r>
+              <a:rPr lang="en-US" altLang="zh-CN" dirty="0" err="1" smtClean="0"/>
+              <a:t>wap</a:t>
+            </a:r>
+            <a:r>
+              <a:rPr lang="zh-CN" altLang="en-US" dirty="0" smtClean="0"/>
+              <a:t>页</a:t>
+            </a:r>
+            <a:endParaRPr lang="en-US" altLang="zh-CN" dirty="0" smtClean="0"/>
+          </a:p>
+          <a:p>
+            <a:pPr marL="285750" indent="-285750">
+              <a:buFont typeface="Arial" panose="020B0604020202020204" pitchFamily="34" charset="0"/>
+              <a:buChar char="•"/>
+            </a:pPr>
+            <a:r>
+              <a:rPr lang="zh-CN" altLang="en-US" dirty="0" smtClean="0"/>
+              <a:t>逐渐熟悉</a:t>
+            </a:r>
+            <a:r>
+              <a:rPr lang="en-US" altLang="zh-CN" dirty="0" err="1" smtClean="0"/>
+              <a:t>wap</a:t>
+            </a:r>
+            <a:r>
+              <a:rPr lang="zh-CN" altLang="en-US" dirty="0" smtClean="0"/>
+              <a:t>开发基本知识</a:t>
+            </a:r>
+            <a:endParaRPr lang="en-US" altLang="zh-CN" dirty="0" smtClean="0"/>
+          </a:p>
+          <a:p>
+            <a:pPr marL="285750" indent="-285750">
+              <a:buFont typeface="Arial" panose="020B0604020202020204" pitchFamily="34" charset="0"/>
+              <a:buChar char="•"/>
+            </a:pPr>
+            <a:r>
+              <a:rPr lang="zh-CN" altLang="en-US" dirty="0" smtClean="0"/>
+              <a:t>增加了与后台、测试、产品等同事的沟通</a:t>
+            </a:r>
+            <a:endParaRPr lang="zh-CN" altLang="en-US" dirty="0"/>
+          </a:p>
+        </p:txBody>
+      </p:sp>
+    </p:spTree>
+    <p:extLst>
+      <p:ext uri="{BB962C8B-B14F-4D97-AF65-F5344CB8AC3E}">
+        <p14:creationId xmlns:p14="http://schemas.microsoft.com/office/powerpoint/2010/main" val="2335022076"/>
+      </p:ext>
+    </p:extLst>
+  </p:cSld>
+  <p:clrMapOvr>
+    <a:masterClrMapping/>
+  </p:clrMapOvr>
+  <mc:AlternateContent xmlns:mc="http://schemas.openxmlformats.org/markup-compatibility/2006">
+    <mc:Choice xmlns:p14="http://schemas.microsoft.com/office/powerpoint/2010/main" Requires="p14">
+      <p:transition spd="med" p14:dur="700">
+        <p:fade/>
+      </p:transition>
+    </mc:Choice>
+    <mc:Fallback>
+      <p:transition spd="med">
+        <p:fade/>
+      </p:transition>
+    </mc:Fallback>
+  </mc:AlternateContent>
+  <p:timing>
+    <p:tnLst>
+      <p:par>
+        <p:cTn id="1" dur="indefinite" restart="never" nodeType="tmRoot"/>
+      </p:par>
+    </p:tnLst>
+  </p:timing>
+</p:sld>
+</file>
+
+<file path=ppt/slides/slide9.xml><?xml version="1.0" encoding="utf-8"?>
+<p:sld xmlns:a="http://schemas.openxmlformats.org/drawingml/2006/main" xmlns:r="http://schemas.openxmlformats.org/officeDocument/2006/relationships" xmlns:p="http://schemas.openxmlformats.org/presentationml/2006/main">
+  <p:cSld>
+    <p:spTree>
+      <p:nvGrpSpPr>
+        <p:cNvPr id="1" name=""/>
+        <p:cNvGrpSpPr/>
+        <p:nvPr/>
+      </p:nvGrpSpPr>
+      <p:grpSpPr>
+        <a:xfrm>
+          <a:off x="0" y="0"/>
+          <a:ext cx="0" cy="0"/>
+          <a:chOff x="0" y="0"/>
+          <a:chExt cx="0" cy="0"/>
+        </a:xfrm>
+      </p:grpSpPr>
+      <p:sp>
+        <p:nvSpPr>
+          <p:cNvPr id="2" name="标题 1"/>
+          <p:cNvSpPr>
+            <a:spLocks noGrp="1"/>
+          </p:cNvSpPr>
+          <p:nvPr>
+            <p:ph type="title"/>
+          </p:nvPr>
+        </p:nvSpPr>
+        <p:spPr/>
+        <p:txBody>
+          <a:bodyPr/>
+          <a:lstStyle/>
+          <a:p>
+            <a:r>
+              <a:rPr lang="zh-CN" altLang="en-US" dirty="0" smtClean="0"/>
+              <a:t>业务收获</a:t>
+            </a:r>
+            <a:endParaRPr lang="zh-CN" altLang="en-US" dirty="0"/>
+          </a:p>
+        </p:txBody>
+      </p:sp>
+      <p:sp>
+        <p:nvSpPr>
+          <p:cNvPr id="5" name="日期占位符 4"/>
+          <p:cNvSpPr>
+            <a:spLocks noGrp="1"/>
+          </p:cNvSpPr>
+          <p:nvPr>
+            <p:ph type="dt" sz="half" idx="10"/>
+          </p:nvPr>
+        </p:nvSpPr>
+        <p:spPr/>
+        <p:txBody>
+          <a:bodyPr/>
+          <a:lstStyle/>
+          <a:p>
+            <a:fld id="{5EBF2BF7-1C0B-46F0-AA2F-6126860028BF}" type="datetime9">
+              <a:rPr lang="en-US" altLang="zh-CN" smtClean="0"/>
+              <a:t>9/10/2015 11:34:31 PM</a:t>
+            </a:fld>
+            <a:endParaRPr lang="en-US" dirty="0"/>
+          </a:p>
+        </p:txBody>
+      </p:sp>
+      <p:sp>
+        <p:nvSpPr>
+          <p:cNvPr id="6" name="灯片编号占位符 5"/>
+          <p:cNvSpPr>
+            <a:spLocks noGrp="1"/>
+          </p:cNvSpPr>
+          <p:nvPr>
+            <p:ph type="sldNum" sz="quarter" idx="12"/>
+          </p:nvPr>
+        </p:nvSpPr>
+        <p:spPr/>
+        <p:txBody>
+          <a:bodyPr/>
+          <a:lstStyle/>
+          <a:p>
+            <a:fld id="{6D22F896-40B5-4ADD-8801-0D06FADFA095}" type="slidenum">
+              <a:rPr lang="en-US" smtClean="0"/>
+              <a:t>9</a:t>
+            </a:fld>
+            <a:endParaRPr lang="en-US" dirty="0"/>
+          </a:p>
+        </p:txBody>
+      </p:sp>
+      <p:sp>
+        <p:nvSpPr>
+          <p:cNvPr id="4" name="文本框 3"/>
+          <p:cNvSpPr txBox="1"/>
+          <p:nvPr/>
+        </p:nvSpPr>
+        <p:spPr>
+          <a:xfrm>
+            <a:off x="838200" y="1690688"/>
+            <a:ext cx="2743200" cy="369332"/>
+          </a:xfrm>
+          <a:prstGeom prst="rect">
+            <a:avLst/>
+          </a:prstGeom>
+          <a:noFill/>
+        </p:spPr>
+        <p:txBody>
+          <a:bodyPr wrap="square" rtlCol="0">
+            <a:spAutoFit/>
+          </a:bodyPr>
+          <a:lstStyle/>
+          <a:p>
+            <a:pPr marL="285750" indent="-285750">
+              <a:buFont typeface="Wingdings" panose="05000000000000000000" pitchFamily="2" charset="2"/>
+              <a:buChar char="l"/>
+            </a:pPr>
+            <a:r>
+              <a:rPr lang="zh-CN" altLang="en-US" dirty="0" smtClean="0"/>
+              <a:t>新手福利</a:t>
+            </a:r>
+            <a:endParaRPr lang="zh-CN" altLang="en-US" dirty="0"/>
+          </a:p>
+        </p:txBody>
+      </p:sp>
+      <p:sp>
+        <p:nvSpPr>
+          <p:cNvPr id="9" name="文本框 8"/>
+          <p:cNvSpPr txBox="1"/>
+          <p:nvPr/>
+        </p:nvSpPr>
+        <p:spPr>
+          <a:xfrm>
+            <a:off x="1172314" y="2145955"/>
+            <a:ext cx="4173415" cy="1477328"/>
+          </a:xfrm>
+          <a:prstGeom prst="rect">
+            <a:avLst/>
+          </a:prstGeom>
+          <a:noFill/>
+        </p:spPr>
+        <p:txBody>
+          <a:bodyPr wrap="square" rtlCol="0">
+            <a:spAutoFit/>
+          </a:bodyPr>
+          <a:lstStyle/>
+          <a:p>
+            <a:pPr marL="285750" indent="-285750">
+              <a:buFont typeface="Arial" panose="020B0604020202020204" pitchFamily="34" charset="0"/>
+              <a:buChar char="•"/>
+            </a:pPr>
+            <a:r>
+              <a:rPr lang="zh-CN" altLang="en-US" dirty="0" smtClean="0"/>
+              <a:t>拉新活动</a:t>
+            </a:r>
+            <a:endParaRPr lang="en-US" altLang="zh-CN" dirty="0" smtClean="0"/>
+          </a:p>
+          <a:p>
+            <a:pPr marL="285750" indent="-285750">
+              <a:buFont typeface="Arial" panose="020B0604020202020204" pitchFamily="34" charset="0"/>
+              <a:buChar char="•"/>
+            </a:pPr>
+            <a:r>
+              <a:rPr lang="zh-CN" altLang="en-US" dirty="0" smtClean="0"/>
+              <a:t>较复杂</a:t>
+            </a:r>
+            <a:endParaRPr lang="en-US" altLang="zh-CN" dirty="0" smtClean="0"/>
+          </a:p>
+          <a:p>
+            <a:pPr marL="285750" indent="-285750">
+              <a:buFont typeface="Arial" panose="020B0604020202020204" pitchFamily="34" charset="0"/>
+              <a:buChar char="•"/>
+            </a:pPr>
+            <a:r>
+              <a:rPr lang="zh-CN" altLang="en-US" dirty="0" smtClean="0"/>
+              <a:t>纠结：多次改需求，上线多次</a:t>
+            </a:r>
+            <a:endParaRPr lang="en-US" altLang="zh-CN" dirty="0" smtClean="0"/>
+          </a:p>
+          <a:p>
+            <a:pPr marL="285750" indent="-285750">
+              <a:buFont typeface="Arial" panose="020B0604020202020204" pitchFamily="34" charset="0"/>
+              <a:buChar char="•"/>
+            </a:pPr>
+            <a:r>
+              <a:rPr lang="zh-CN" altLang="en-US" dirty="0" smtClean="0"/>
+              <a:t>多问、多项：做之前与产品确认、有疑问及时提，多余后台沟通</a:t>
+            </a:r>
+            <a:endParaRPr lang="zh-CN" altLang="en-US" dirty="0"/>
+          </a:p>
+        </p:txBody>
+      </p:sp>
+      <p:pic>
+        <p:nvPicPr>
+          <p:cNvPr id="11" name="图片 10"/>
+          <p:cNvPicPr>
+            <a:picLocks noChangeAspect="1"/>
+          </p:cNvPicPr>
+          <p:nvPr/>
+        </p:nvPicPr>
+        <p:blipFill>
+          <a:blip r:embed="rId2">
+            <a:extLst>
+              <a:ext uri="{28A0092B-C50C-407E-A947-70E740481C1C}">
+                <a14:useLocalDpi xmlns:a14="http://schemas.microsoft.com/office/drawing/2010/main" val="0"/>
+              </a:ext>
+            </a:extLst>
+          </a:blip>
+          <a:stretch>
+            <a:fillRect/>
+          </a:stretch>
+        </p:blipFill>
+        <p:spPr>
+          <a:xfrm>
+            <a:off x="6096000" y="2060020"/>
+            <a:ext cx="2139401" cy="3803379"/>
+          </a:xfrm>
+          <a:prstGeom prst="rect">
+            <a:avLst/>
+          </a:prstGeom>
+          <a:ln>
+            <a:noFill/>
+          </a:ln>
+          <a:effectLst>
+            <a:outerShdw blurRad="292100" dist="139700" dir="2700000" algn="tl" rotWithShape="0">
+              <a:srgbClr val="333333">
+                <a:alpha val="65000"/>
+              </a:srgbClr>
+            </a:outerShdw>
+          </a:effectLst>
+        </p:spPr>
+      </p:pic>
+    </p:spTree>
+    <p:extLst>
+      <p:ext uri="{BB962C8B-B14F-4D97-AF65-F5344CB8AC3E}">
+        <p14:creationId xmlns:p14="http://schemas.microsoft.com/office/powerpoint/2010/main" val="1753302710"/>
+      </p:ext>
+    </p:extLst>
+  </p:cSld>
+  <p:clrMapOvr>
+    <a:masterClrMapping/>
+  </p:clrMapOvr>
+  <mc:AlternateContent xmlns:mc="http://schemas.openxmlformats.org/markup-compatibility/2006">
+    <mc:Choice xmlns:p14="http://schemas.microsoft.com/office/powerpoint/2010/main" Requires="p14">
+      <p:transition spd="med" p14:dur="700">
+        <p:fade/>
+      </p:transition>
+    </mc:Choice>
+    <mc:Fallback>
+      <p:transition spd="med">
+        <p:fade/>
+      </p:transition>
+    </mc:Fallback>
+  </mc:AlternateContent>
+  <p:timing>
+    <p:tnLst>
+      <p:par>
+        <p:cTn id="1" dur="indefinite" restart="never" nodeType="tmRoot"/>
+      </p:par>
+    </p:tnLst>
+  </p:timing>
 </p:sld>
 </file>
 
